--- a/sys_RelativeChickMass.pptx
+++ b/sys_RelativeChickMass.pptx
@@ -115,20 +115,8 @@
 
 <file path=ppt/comments/comment1.xml><?xml version="1.0" encoding="utf-8"?>
 <p:cmLst xmlns:a="http://schemas.openxmlformats.org/drawingml/2006/main" xmlns:r="http://schemas.openxmlformats.org/officeDocument/2006/relationships" xmlns:p="http://schemas.openxmlformats.org/presentationml/2006/main">
-  <p:cm authorId="0" dt="2015-11-26T15:38:58.878" idx="1">
-    <p:pos x="3709" y="752"/>
-    <p:text>see sys_LastSeenAlive for potential issues with this query</p:text>
-  </p:cm>
-  <p:cm authorId="0" dt="2015-11-26T15:39:22.632" idx="2">
-    <p:pos x="1702" y="2675"/>
-    <p:text>see sys_LastSeenAlive for potential issues with this query</p:text>
-  </p:cm>
-  <p:cm authorId="0" dt="2015-11-26T15:39:29.577" idx="3">
-    <p:pos x="3427" y="4669"/>
-    <p:text>see sys_LastSeenAlive for potential issues with this query</p:text>
-  </p:cm>
   <p:cm authorId="0" dt="2015-11-26T16:23:59.196" idx="4">
-    <p:pos x="1696" y="5139"/>
+    <p:pos x="1696" y="5132"/>
     <p:text>I think this is to accomodate those 23 cases where there is two entries in table measurement (with different values) for a same captureRef.
 the query then giving averages of other measurement than mass (mostly empty)</p:text>
   </p:cm>
@@ -980,7 +968,6 @@
             <a:rPr lang="en-US" sz="900" b="0" dirty="0" smtClean="0"/>
             <a:t>-give the mass of the chick at his different age class, and compares it to the average chick mass of this social brood</a:t>
           </a:r>
-          <a:endParaRPr lang="en-US" sz="900" b="0" dirty="0" smtClean="0"/>
         </a:p>
       </dgm:t>
     </dgm:pt>
@@ -1554,12 +1541,6 @@
                   <a:lumMod val="75000"/>
                 </a:schemeClr>
               </a:solidFill>
-              <a:highlight>
-                <a:srgbClr val="FFFF00"/>
-              </a:highlight>
-              <a:latin typeface="+mn-lt"/>
-              <a:ea typeface="Calibri"/>
-              <a:cs typeface="Times New Roman"/>
             </a:rPr>
             <a:t>BirdEgg</a:t>
           </a:r>
@@ -1570,12 +1551,6 @@
                   <a:lumMod val="75000"/>
                 </a:schemeClr>
               </a:solidFill>
-              <a:highlight>
-                <a:srgbClr val="FFFF00"/>
-              </a:highlight>
-              <a:latin typeface="+mn-lt"/>
-              <a:ea typeface="Calibri"/>
-              <a:cs typeface="Times New Roman"/>
             </a:rPr>
             <a:t/>
           </a:r>
@@ -1586,12 +1561,6 @@
                   <a:lumMod val="75000"/>
                 </a:schemeClr>
               </a:solidFill>
-              <a:highlight>
-                <a:srgbClr val="FFFF00"/>
-              </a:highlight>
-              <a:latin typeface="+mn-lt"/>
-              <a:ea typeface="Calibri"/>
-              <a:cs typeface="Times New Roman"/>
             </a:rPr>
           </a:br>
           <a:r>
@@ -1601,12 +1570,6 @@
                   <a:lumMod val="75000"/>
                 </a:schemeClr>
               </a:solidFill>
-              <a:highlight>
-                <a:srgbClr val="FFFF00"/>
-              </a:highlight>
-              <a:latin typeface="+mn-lt"/>
-              <a:ea typeface="Calibri"/>
-              <a:cs typeface="Times New Roman"/>
             </a:rPr>
             <a:t>HatchDates</a:t>
           </a:r>
@@ -1616,12 +1579,6 @@
                 <a:lumMod val="75000"/>
               </a:schemeClr>
             </a:solidFill>
-            <a:highlight>
-              <a:srgbClr val="FFFF00"/>
-            </a:highlight>
-            <a:latin typeface="+mn-lt"/>
-            <a:ea typeface="Calibri"/>
-            <a:cs typeface="Times New Roman"/>
           </a:endParaRPr>
         </a:p>
       </dgm:t>
@@ -1970,12 +1927,6 @@
                   <a:lumMod val="75000"/>
                 </a:schemeClr>
               </a:solidFill>
-              <a:highlight>
-                <a:srgbClr val="FFFF00"/>
-              </a:highlight>
-              <a:latin typeface="+mn-lt"/>
-              <a:ea typeface="Calibri"/>
-              <a:cs typeface="Times New Roman"/>
             </a:rPr>
             <a:t>BirdEgg</a:t>
           </a:r>
@@ -1986,12 +1937,6 @@
                   <a:lumMod val="75000"/>
                 </a:schemeClr>
               </a:solidFill>
-              <a:highlight>
-                <a:srgbClr val="FFFF00"/>
-              </a:highlight>
-              <a:latin typeface="+mn-lt"/>
-              <a:ea typeface="Calibri"/>
-              <a:cs typeface="Times New Roman"/>
             </a:rPr>
             <a:t/>
           </a:r>
@@ -2002,12 +1947,6 @@
                   <a:lumMod val="75000"/>
                 </a:schemeClr>
               </a:solidFill>
-              <a:highlight>
-                <a:srgbClr val="FFFF00"/>
-              </a:highlight>
-              <a:latin typeface="+mn-lt"/>
-              <a:ea typeface="Calibri"/>
-              <a:cs typeface="Times New Roman"/>
             </a:rPr>
           </a:br>
           <a:r>
@@ -2017,12 +1956,6 @@
                   <a:lumMod val="75000"/>
                 </a:schemeClr>
               </a:solidFill>
-              <a:highlight>
-                <a:srgbClr val="FFFF00"/>
-              </a:highlight>
-              <a:latin typeface="+mn-lt"/>
-              <a:ea typeface="Calibri"/>
-              <a:cs typeface="Times New Roman"/>
             </a:rPr>
             <a:t>HatchDates</a:t>
           </a:r>
@@ -2032,12 +1965,6 @@
                 <a:lumMod val="75000"/>
               </a:schemeClr>
             </a:solidFill>
-            <a:highlight>
-              <a:srgbClr val="FFFF00"/>
-            </a:highlight>
-            <a:latin typeface="+mn-lt"/>
-            <a:ea typeface="Calibri"/>
-            <a:cs typeface="Times New Roman"/>
           </a:endParaRPr>
         </a:p>
       </dgm:t>
@@ -2258,21 +2185,15 @@
                 <a:srgbClr val="7030A0"/>
               </a:solidFill>
             </a:rPr>
-            <a:t>-give per captures of chick, the category of measurement (‘d3’ d7…) and the </a:t>
+            <a:t>-give per captures of chick, the category of measurement (‘d3’ d7…) and </a:t>
           </a:r>
           <a:r>
             <a:rPr lang="en-US" sz="900" b="0" dirty="0" smtClean="0">
               <a:solidFill>
                 <a:srgbClr val="7030A0"/>
               </a:solidFill>
-              <a:highlight>
-                <a:srgbClr val="FFFF00"/>
-              </a:highlight>
-              <a:latin typeface="+mn-lt"/>
-              <a:ea typeface="Calibri"/>
-              <a:cs typeface="Times New Roman"/>
-            </a:rPr>
-            <a:t>age of the chick (this could be wrong!)</a:t>
+            </a:rPr>
+            <a:t>the age of the chick</a:t>
           </a:r>
           <a:endParaRPr lang="en-US" sz="900" b="0" dirty="0">
             <a:solidFill>
@@ -4533,113 +4454,113 @@
     </dgm:pt>
   </dgm:ptLst>
   <dgm:cxnLst>
-    <dgm:cxn modelId="{B39DD9AF-67AA-4818-B124-0370AEC3DE13}" srcId="{B24BEAF0-BD55-4139-9149-3E5E7D7C0F8F}" destId="{690C0B3D-5179-4C71-958D-27F5B214E5DB}" srcOrd="4" destOrd="0" parTransId="{616B912E-A92E-472D-8389-54BACAAD2F79}" sibTransId="{9D905B85-8DEC-411E-9091-043688A21510}"/>
-    <dgm:cxn modelId="{3C16DEEC-7206-49BB-84A0-E53B2007C35E}" type="presOf" srcId="{ACE0BA07-4240-4352-98CB-835CF479A9E3}" destId="{49CACFDC-0231-4C4C-BF16-01C2C3298D4F}" srcOrd="1" destOrd="0" presId="urn:microsoft.com/office/officeart/2009/3/layout/HorizontalOrganizationChart"/>
+    <dgm:cxn modelId="{22A03240-FE6C-4ED3-A401-22F91CD60922}" type="presOf" srcId="{1449AB31-8A25-46F0-A80A-8595609BEB64}" destId="{DAAF4679-7E0F-4825-B044-629AB82E5C4B}" srcOrd="0" destOrd="0" presId="urn:microsoft.com/office/officeart/2009/3/layout/HorizontalOrganizationChart"/>
+    <dgm:cxn modelId="{B2D17EA9-A0B7-4D36-BAA9-C0729C3C7666}" type="presOf" srcId="{616B912E-A92E-472D-8389-54BACAAD2F79}" destId="{F0CF2533-9F6C-4255-850C-A84585A30F3F}" srcOrd="0" destOrd="0" presId="urn:microsoft.com/office/officeart/2009/3/layout/HorizontalOrganizationChart"/>
+    <dgm:cxn modelId="{D7E05714-4352-41F3-8636-D2B9E102C64E}" srcId="{B24BEAF0-BD55-4139-9149-3E5E7D7C0F8F}" destId="{C75DC3E2-DEFA-4545-9BDF-B2CB4A4B5296}" srcOrd="3" destOrd="0" parTransId="{562946B2-7C41-4518-A8E2-69EC867FEEB6}" sibTransId="{39C15D50-714D-4843-98E1-85B4188FBB63}"/>
+    <dgm:cxn modelId="{C08E2796-5EB8-4DC8-A827-491678486D52}" srcId="{10C4B585-4EE5-4B48-B60E-C8743E2B594E}" destId="{C84E1659-8B9E-4909-A3A5-39D0700833ED}" srcOrd="3" destOrd="0" parTransId="{FDFFF0B2-7807-4C45-99F7-361D7060B4BD}" sibTransId="{6AEA779D-AC7C-4E05-AE02-FA23FF319580}"/>
+    <dgm:cxn modelId="{ABE1C18C-FD0F-4439-914D-69E4DEC3EEC6}" type="presOf" srcId="{10C4B585-4EE5-4B48-B60E-C8743E2B594E}" destId="{314AD154-F8D7-4642-B10A-D5CFBB37069C}" srcOrd="1" destOrd="0" presId="urn:microsoft.com/office/officeart/2009/3/layout/HorizontalOrganizationChart"/>
+    <dgm:cxn modelId="{B0150756-9421-4F64-8BDD-CFFB3F3B8372}" type="presOf" srcId="{1DB26985-C23A-4CB2-95EB-22114188AB5C}" destId="{FC9F881F-346A-4232-8729-025F5114BFE7}" srcOrd="0" destOrd="0" presId="urn:microsoft.com/office/officeart/2009/3/layout/HorizontalOrganizationChart"/>
+    <dgm:cxn modelId="{9DD0F50D-FDBD-4594-B284-65398EE5D7B1}" srcId="{18098B98-3D02-4896-B26C-F45ACCBFA8F8}" destId="{9ACAFCFC-5142-4C6A-A550-74BE20AD0CD4}" srcOrd="1" destOrd="0" parTransId="{E0187B90-0B2D-46EB-8BC8-7BEDB02F6EA5}" sibTransId="{6F57A03F-5826-4993-A45E-1E750A0332B3}"/>
+    <dgm:cxn modelId="{117E4E38-A264-459D-9DE0-111570D3D65F}" type="presOf" srcId="{30DB14B4-C961-470D-9A47-EEC7F9368630}" destId="{C749CD90-5ED1-40E7-9C5B-D2F44FC6E4B6}" srcOrd="0" destOrd="0" presId="urn:microsoft.com/office/officeart/2009/3/layout/HorizontalOrganizationChart"/>
+    <dgm:cxn modelId="{F6DE86A6-5B8C-4EF2-BF28-E396ED2C5217}" type="presOf" srcId="{275A0ED6-8DCC-47A9-843F-C66DBCF0B14E}" destId="{33A83780-F7F6-45D1-8AC8-62951A31E365}" srcOrd="0" destOrd="0" presId="urn:microsoft.com/office/officeart/2009/3/layout/HorizontalOrganizationChart"/>
+    <dgm:cxn modelId="{96B7A5FB-FA9A-406D-BD24-56BAEBE6A394}" type="presOf" srcId="{5938898E-B83D-4A8D-ADFE-B46B956AAD91}" destId="{F182D3DD-3606-48A3-B448-96DC69FA52C0}" srcOrd="1" destOrd="0" presId="urn:microsoft.com/office/officeart/2009/3/layout/HorizontalOrganizationChart"/>
+    <dgm:cxn modelId="{AB5066AD-185B-4743-A8EF-74896A38880D}" srcId="{D76B355E-360B-4DB3-9B0A-734E7A8B5F79}" destId="{EE0DCD01-A7C6-4F98-ABCE-FB5E42707F30}" srcOrd="0" destOrd="0" parTransId="{B13DE2D5-E0C4-426F-89CF-8ACA5813E72C}" sibTransId="{A5386939-9FAB-4C4E-B521-C12A80F743F1}"/>
+    <dgm:cxn modelId="{6A9FC207-68D2-4BA8-B1F7-221928D632CF}" type="presOf" srcId="{562946B2-7C41-4518-A8E2-69EC867FEEB6}" destId="{26F82378-42C3-4E1D-8C18-E2530194BBE6}" srcOrd="0" destOrd="0" presId="urn:microsoft.com/office/officeart/2009/3/layout/HorizontalOrganizationChart"/>
+    <dgm:cxn modelId="{93EDA3D0-639A-4EE5-AFC3-87F17CCD4E83}" srcId="{5938898E-B83D-4A8D-ADFE-B46B956AAD91}" destId="{4855453F-452C-4D92-BB74-2F5768AFE959}" srcOrd="0" destOrd="0" parTransId="{2E26C329-07A6-4580-BD5F-A25ABABC2577}" sibTransId="{E13E8A9B-7E20-407C-B91C-30550554C874}"/>
+    <dgm:cxn modelId="{B3FA210D-CEDB-4390-81A7-A892258676B3}" type="presOf" srcId="{3181B794-750D-4313-8B75-982D23FEEDBA}" destId="{0A700EB4-8F02-4BDB-9B49-FF62E83EAEC6}" srcOrd="0" destOrd="0" presId="urn:microsoft.com/office/officeart/2009/3/layout/HorizontalOrganizationChart"/>
+    <dgm:cxn modelId="{A888C062-C1A5-4694-9EF9-8FFCC8DCD5B6}" type="presOf" srcId="{0F6E0FEE-B4D8-4B84-AC7C-12039A4528B1}" destId="{94D5788E-DB9C-4A72-911E-D47EB168C009}" srcOrd="1" destOrd="0" presId="urn:microsoft.com/office/officeart/2009/3/layout/HorizontalOrganizationChart"/>
+    <dgm:cxn modelId="{820EF847-6A27-4112-B94B-27DB7A0FD8D3}" srcId="{B24BEAF0-BD55-4139-9149-3E5E7D7C0F8F}" destId="{15AB516E-1AF3-43B9-A667-FCAFF022C93D}" srcOrd="1" destOrd="0" parTransId="{A27E4AB5-8689-440A-ABEE-F8060D2A30BC}" sibTransId="{FB5E57C5-2531-4DB1-81F6-30ABEC43CA57}"/>
+    <dgm:cxn modelId="{F3E1D2C8-1CC5-42C4-BFE5-4C899FCE6FDC}" type="presOf" srcId="{A27E4AB5-8689-440A-ABEE-F8060D2A30BC}" destId="{0B5716CF-D8C6-450D-8026-0819C2380283}" srcOrd="0" destOrd="0" presId="urn:microsoft.com/office/officeart/2009/3/layout/HorizontalOrganizationChart"/>
+    <dgm:cxn modelId="{74D7FEC2-4394-441D-A3BE-4BFE9A5E55C3}" type="presOf" srcId="{15AB516E-1AF3-43B9-A667-FCAFF022C93D}" destId="{EE439134-1D22-4054-896B-B21F6634E10C}" srcOrd="0" destOrd="0" presId="urn:microsoft.com/office/officeart/2009/3/layout/HorizontalOrganizationChart"/>
+    <dgm:cxn modelId="{702EBD4F-C9C9-4C4C-89D1-C03D379D83EB}" type="presOf" srcId="{788EB51A-BDC2-46C7-BA97-F6662BF872AF}" destId="{8C578514-FD53-4EF7-AFDB-07B337E7E73A}" srcOrd="0" destOrd="0" presId="urn:microsoft.com/office/officeart/2009/3/layout/HorizontalOrganizationChart"/>
+    <dgm:cxn modelId="{9299939F-B366-4D23-9CBD-A70799BB9101}" type="presOf" srcId="{E009455B-158B-43B8-87C1-C697339D4B66}" destId="{2018AA64-6CEA-4590-8287-3445CDD96F6C}" srcOrd="0" destOrd="0" presId="urn:microsoft.com/office/officeart/2009/3/layout/HorizontalOrganizationChart"/>
+    <dgm:cxn modelId="{65CDDCBA-7708-43B9-AA1E-14A50912B080}" type="presOf" srcId="{A38FC05A-5E07-4CA3-AED3-120F80C38C9B}" destId="{B7763EA0-6D75-420B-B14A-87B95D9C65AD}" srcOrd="0" destOrd="0" presId="urn:microsoft.com/office/officeart/2009/3/layout/HorizontalOrganizationChart"/>
+    <dgm:cxn modelId="{6651336D-12EC-48B5-8FC7-8F0F7629E2F3}" type="presOf" srcId="{C055BDF2-5AE6-499B-A73A-9FCCB8BD0616}" destId="{089417BF-89B4-4641-9D89-A4CEF2C6A902}" srcOrd="0" destOrd="0" presId="urn:microsoft.com/office/officeart/2009/3/layout/HorizontalOrganizationChart"/>
+    <dgm:cxn modelId="{3778236C-2BC6-483C-B829-5C73E69AC5D5}" srcId="{5938898E-B83D-4A8D-ADFE-B46B956AAD91}" destId="{DDCBE3D6-E67C-489B-9940-99211B59C960}" srcOrd="2" destOrd="0" parTransId="{275A0ED6-8DCC-47A9-843F-C66DBCF0B14E}" sibTransId="{D1F0814E-6B80-466D-B381-2FA62494D79A}"/>
+    <dgm:cxn modelId="{17114CF9-97E7-4C39-B971-16223F43DCA4}" type="presOf" srcId="{9ACAFCFC-5142-4C6A-A550-74BE20AD0CD4}" destId="{CF2F7F3E-7E7D-4936-A1EC-318FAD052DCC}" srcOrd="1" destOrd="0" presId="urn:microsoft.com/office/officeart/2009/3/layout/HorizontalOrganizationChart"/>
+    <dgm:cxn modelId="{96E06D4D-DD86-40E6-AA4E-2AF3FF393DFA}" type="presOf" srcId="{4855453F-452C-4D92-BB74-2F5768AFE959}" destId="{04180C38-66CB-4C31-BD26-6011D4C5B5E4}" srcOrd="1" destOrd="0" presId="urn:microsoft.com/office/officeart/2009/3/layout/HorizontalOrganizationChart"/>
+    <dgm:cxn modelId="{126C484F-A938-4757-95D6-9BB961977F0E}" type="presOf" srcId="{4855453F-452C-4D92-BB74-2F5768AFE959}" destId="{A5392B4D-2E96-4499-AB03-33C7EB3130F5}" srcOrd="0" destOrd="0" presId="urn:microsoft.com/office/officeart/2009/3/layout/HorizontalOrganizationChart"/>
+    <dgm:cxn modelId="{A084AB2B-3997-4BE0-B4B9-92381934FEB2}" type="presOf" srcId="{9ACAFCFC-5142-4C6A-A550-74BE20AD0CD4}" destId="{BE907398-AA16-4188-B20A-D96C29A10321}" srcOrd="0" destOrd="0" presId="urn:microsoft.com/office/officeart/2009/3/layout/HorizontalOrganizationChart"/>
+    <dgm:cxn modelId="{351C8958-2160-4220-88C9-328AF57FF264}" type="presOf" srcId="{6948CCFA-1DBB-4C5D-8E72-55979E9DD649}" destId="{45192A8D-C09C-43DE-9D19-6607E3ECFBBE}" srcOrd="1" destOrd="0" presId="urn:microsoft.com/office/officeart/2009/3/layout/HorizontalOrganizationChart"/>
+    <dgm:cxn modelId="{1737684E-8EFA-4A51-9409-F5CAED6DB543}" srcId="{9ACAFCFC-5142-4C6A-A550-74BE20AD0CD4}" destId="{0966E72C-3368-4DA0-8DBF-F7E6EEAF9066}" srcOrd="5" destOrd="0" parTransId="{80EB3E8F-BB14-48EA-94F6-216A0C572367}" sibTransId="{D3EA4F70-97B8-4F1F-BCFF-DE09C6B15EC6}"/>
+    <dgm:cxn modelId="{E570CA96-C193-4E00-9854-CA2B7C3A5B31}" type="presOf" srcId="{2862FE54-E8CF-4FF8-8656-9652E53E0146}" destId="{1EFA31DF-84D7-4059-B914-BD49C91B70AF}" srcOrd="1" destOrd="0" presId="urn:microsoft.com/office/officeart/2009/3/layout/HorizontalOrganizationChart"/>
+    <dgm:cxn modelId="{3F834FD1-35A9-4ADB-BB30-FE46D92D8044}" type="presOf" srcId="{15AB516E-1AF3-43B9-A667-FCAFF022C93D}" destId="{168624A0-1DB6-4759-A4AA-F38E8B37983E}" srcOrd="1" destOrd="0" presId="urn:microsoft.com/office/officeart/2009/3/layout/HorizontalOrganizationChart"/>
+    <dgm:cxn modelId="{D62ADF07-A23C-4E12-B770-29F8BE0DC61E}" type="presOf" srcId="{DB58BCC6-BC89-4C6C-A16B-68E3E6B30C3E}" destId="{304FAB0C-2110-4A34-8C06-09CDCC05A260}" srcOrd="0" destOrd="0" presId="urn:microsoft.com/office/officeart/2009/3/layout/HorizontalOrganizationChart"/>
+    <dgm:cxn modelId="{DF82601B-0455-463A-8385-2345DEE6EF54}" srcId="{9ACAFCFC-5142-4C6A-A550-74BE20AD0CD4}" destId="{10C4B585-4EE5-4B48-B60E-C8743E2B594E}" srcOrd="4" destOrd="0" parTransId="{E009455B-158B-43B8-87C1-C697339D4B66}" sibTransId="{2E36A46F-4219-4261-A5F5-D023218C4E54}"/>
+    <dgm:cxn modelId="{F25D0EAC-D101-414C-8038-C45B2A99303F}" type="presOf" srcId="{690C0B3D-5179-4C71-958D-27F5B214E5DB}" destId="{967D4B16-926F-4EEA-9244-6CAF349E643E}" srcOrd="1" destOrd="0" presId="urn:microsoft.com/office/officeart/2009/3/layout/HorizontalOrganizationChart"/>
+    <dgm:cxn modelId="{3AE9AD66-A072-49D8-B60D-E8647D4EF5FA}" type="presOf" srcId="{1E6104F3-7AD1-41C8-A1A4-0BADDD2BF365}" destId="{489355CF-B958-4B1F-8F62-4C6605077346}" srcOrd="0" destOrd="0" presId="urn:microsoft.com/office/officeart/2009/3/layout/HorizontalOrganizationChart"/>
+    <dgm:cxn modelId="{3A0F045B-F943-4A35-8200-73D0D88EB7CC}" type="presOf" srcId="{88C0F508-B9B0-439E-9F71-1068D9A483E3}" destId="{4FFB75A0-8EB0-41D1-945A-8CDEBAC64055}" srcOrd="1" destOrd="0" presId="urn:microsoft.com/office/officeart/2009/3/layout/HorizontalOrganizationChart"/>
+    <dgm:cxn modelId="{EBAF8D93-1AD0-4357-9D69-FF0437890067}" type="presOf" srcId="{9BF0BB04-9D8F-48D0-8FAD-BB95A3DA01EE}" destId="{0019D826-8D4A-429A-98C9-FC6A5C27B8E1}" srcOrd="1" destOrd="0" presId="urn:microsoft.com/office/officeart/2009/3/layout/HorizontalOrganizationChart"/>
+    <dgm:cxn modelId="{071EFA63-A519-4D9D-8672-6FC6D0B52C72}" type="presOf" srcId="{B24BEAF0-BD55-4139-9149-3E5E7D7C0F8F}" destId="{50C54AA4-0E3B-47C8-81B2-07E58F42CA2B}" srcOrd="1" destOrd="0" presId="urn:microsoft.com/office/officeart/2009/3/layout/HorizontalOrganizationChart"/>
     <dgm:cxn modelId="{AD64B40C-5147-4360-A4E9-C3DA9CA12889}" type="presOf" srcId="{3EBF8322-26C0-4057-B40D-D3BC79713A7C}" destId="{B97A84F4-2FE6-4C02-9363-F2EC7DCE9F5B}" srcOrd="1" destOrd="0" presId="urn:microsoft.com/office/officeart/2009/3/layout/HorizontalOrganizationChart"/>
-    <dgm:cxn modelId="{EBAF8D93-1AD0-4357-9D69-FF0437890067}" type="presOf" srcId="{9BF0BB04-9D8F-48D0-8FAD-BB95A3DA01EE}" destId="{0019D826-8D4A-429A-98C9-FC6A5C27B8E1}" srcOrd="1" destOrd="0" presId="urn:microsoft.com/office/officeart/2009/3/layout/HorizontalOrganizationChart"/>
-    <dgm:cxn modelId="{A426854F-15C0-45F5-B72C-75C488E52FF6}" srcId="{88C0F508-B9B0-439E-9F71-1068D9A483E3}" destId="{3EBF8322-26C0-4057-B40D-D3BC79713A7C}" srcOrd="0" destOrd="0" parTransId="{94D733AD-CEBB-4818-834E-8BD5769E5A1C}" sibTransId="{8CDF65A1-9598-43DF-992F-6F3B6B6D6461}"/>
-    <dgm:cxn modelId="{B2D17EA9-A0B7-4D36-BAA9-C0729C3C7666}" type="presOf" srcId="{616B912E-A92E-472D-8389-54BACAAD2F79}" destId="{F0CF2533-9F6C-4255-850C-A84585A30F3F}" srcOrd="0" destOrd="0" presId="urn:microsoft.com/office/officeart/2009/3/layout/HorizontalOrganizationChart"/>
     <dgm:cxn modelId="{06D9B7A1-CD8A-47E9-8007-77B42A17961E}" type="presOf" srcId="{68026778-C676-48D6-AD28-C2987EF0C117}" destId="{AA57A573-4313-486D-A215-065C8A86D8F6}" srcOrd="0" destOrd="0" presId="urn:microsoft.com/office/officeart/2009/3/layout/HorizontalOrganizationChart"/>
-    <dgm:cxn modelId="{34F98AE5-7978-488C-A61C-85E81872A842}" type="presOf" srcId="{D76B355E-360B-4DB3-9B0A-734E7A8B5F79}" destId="{F6B48B69-22C1-4016-805E-8091EFFFD169}" srcOrd="1" destOrd="0" presId="urn:microsoft.com/office/officeart/2009/3/layout/HorizontalOrganizationChart"/>
-    <dgm:cxn modelId="{504D0A86-35F8-4682-92A6-B6CB07BC1B3B}" type="presOf" srcId="{922EF086-B5F5-48AA-B17C-ECF9CC80F891}" destId="{795A9348-3C46-4783-965F-BE2D1EF3BA93}" srcOrd="0" destOrd="0" presId="urn:microsoft.com/office/officeart/2009/3/layout/HorizontalOrganizationChart"/>
+    <dgm:cxn modelId="{B05162E9-9BB7-4FD6-B43C-4487B9F8F8E9}" srcId="{9ACAFCFC-5142-4C6A-A550-74BE20AD0CD4}" destId="{B24BEAF0-BD55-4139-9149-3E5E7D7C0F8F}" srcOrd="3" destOrd="0" parTransId="{4D9FDD6F-63FE-4BC0-80B3-A20DD6C3AA42}" sibTransId="{87C418C9-3643-4905-87AA-0E792B7ACD88}"/>
+    <dgm:cxn modelId="{836F6F91-BC80-4F10-95C8-4970D36C4627}" type="presOf" srcId="{3181B794-750D-4313-8B75-982D23FEEDBA}" destId="{4F5EE5BE-E5D7-4854-BE3B-4F5E4165AB21}" srcOrd="1" destOrd="0" presId="urn:microsoft.com/office/officeart/2009/3/layout/HorizontalOrganizationChart"/>
+    <dgm:cxn modelId="{EBD7D684-964E-4749-9F36-751C0B7E6EF5}" type="presOf" srcId="{DDCBE3D6-E67C-489B-9940-99211B59C960}" destId="{DF2347F9-1B5B-4EC4-A0EB-2EFF2CF51277}" srcOrd="0" destOrd="0" presId="urn:microsoft.com/office/officeart/2009/3/layout/HorizontalOrganizationChart"/>
+    <dgm:cxn modelId="{A9CCAC02-7E72-44D8-B5B9-DA2C8B418C17}" type="presOf" srcId="{C75DC3E2-DEFA-4545-9BDF-B2CB4A4B5296}" destId="{D625D997-66D7-4BBD-9130-356BC5D51DB5}" srcOrd="0" destOrd="0" presId="urn:microsoft.com/office/officeart/2009/3/layout/HorizontalOrganizationChart"/>
+    <dgm:cxn modelId="{8227FC26-2153-4F53-B037-4B66BE97A406}" type="presOf" srcId="{FDFFF0B2-7807-4C45-99F7-361D7060B4BD}" destId="{96BF3E03-207D-409A-928C-29953B59B26A}" srcOrd="0" destOrd="0" presId="urn:microsoft.com/office/officeart/2009/3/layout/HorizontalOrganizationChart"/>
     <dgm:cxn modelId="{83BC4DED-DD11-4923-B608-3B0AA89D1D1D}" type="presOf" srcId="{B13DE2D5-E0C4-426F-89CF-8ACA5813E72C}" destId="{432538E9-B4C3-4D6F-BC76-E684902BF90A}" srcOrd="0" destOrd="0" presId="urn:microsoft.com/office/officeart/2009/3/layout/HorizontalOrganizationChart"/>
     <dgm:cxn modelId="{28BAF1A8-620B-4B2A-90C6-C0AD4E7983C5}" type="presOf" srcId="{3EBF8322-26C0-4057-B40D-D3BC79713A7C}" destId="{9355CA48-11D6-4195-8E03-408AA4C20140}" srcOrd="0" destOrd="0" presId="urn:microsoft.com/office/officeart/2009/3/layout/HorizontalOrganizationChart"/>
+    <dgm:cxn modelId="{8EC5E8C8-9924-492D-BC83-B42E26454E2A}" srcId="{A38FC05A-5E07-4CA3-AED3-120F80C38C9B}" destId="{5938898E-B83D-4A8D-ADFE-B46B956AAD91}" srcOrd="0" destOrd="0" parTransId="{B418CCCB-3D8E-40A5-A63E-B776B151621B}" sibTransId="{92979B7E-7B5A-465D-928B-934820DB2BF2}"/>
+    <dgm:cxn modelId="{703FE8EF-8BC4-4361-A4D0-4D18493E8B6F}" type="presOf" srcId="{B418CCCB-3D8E-40A5-A63E-B776B151621B}" destId="{A8225C88-2817-46A0-818B-85A6BE965AFA}" srcOrd="0" destOrd="0" presId="urn:microsoft.com/office/officeart/2009/3/layout/HorizontalOrganizationChart"/>
+    <dgm:cxn modelId="{2A7C8A71-C747-4738-BFED-AEDE666AB6AD}" type="presOf" srcId="{DDCBE3D6-E67C-489B-9940-99211B59C960}" destId="{7D1B3A32-B501-4AB7-828B-F99CDB664DF9}" srcOrd="1" destOrd="0" presId="urn:microsoft.com/office/officeart/2009/3/layout/HorizontalOrganizationChart"/>
+    <dgm:cxn modelId="{286E5CDE-B2F8-4471-BC0C-D2FD81EE720A}" srcId="{88C0F508-B9B0-439E-9F71-1068D9A483E3}" destId="{6948CCFA-1DBB-4C5D-8E72-55979E9DD649}" srcOrd="1" destOrd="0" parTransId="{9E3A122F-7D5B-4292-AB31-56FA0CA6B0E0}" sibTransId="{B40A1B80-E09A-4A05-8659-5D96DAD3ABCE}"/>
+    <dgm:cxn modelId="{68F9F908-BDB4-40D5-910D-0BF0B8FBCF69}" type="presOf" srcId="{72083E10-9578-428E-9526-4CA88DDE97A2}" destId="{FF1B0FC5-8795-428E-BAB2-51655DF9BFAC}" srcOrd="1" destOrd="0" presId="urn:microsoft.com/office/officeart/2009/3/layout/HorizontalOrganizationChart"/>
+    <dgm:cxn modelId="{AC9CADB2-0961-479F-984A-0E1A9C218A43}" type="presOf" srcId="{1E6104F3-7AD1-41C8-A1A4-0BADDD2BF365}" destId="{335314BF-6BB5-4E8B-B72A-BBF0F08E7868}" srcOrd="1" destOrd="0" presId="urn:microsoft.com/office/officeart/2009/3/layout/HorizontalOrganizationChart"/>
+    <dgm:cxn modelId="{BA7568E1-CFD0-4A7F-8074-D78270F60877}" type="presOf" srcId="{FF8F665A-12C8-4D73-9673-D6AB02817481}" destId="{D6A0949A-34B7-44B7-BFF5-FF1A7384D9AF}" srcOrd="0" destOrd="0" presId="urn:microsoft.com/office/officeart/2009/3/layout/HorizontalOrganizationChart"/>
+    <dgm:cxn modelId="{1A6EF03F-9732-4062-BDFC-7C018AB217F8}" srcId="{10C4B585-4EE5-4B48-B60E-C8743E2B594E}" destId="{1E6104F3-7AD1-41C8-A1A4-0BADDD2BF365}" srcOrd="1" destOrd="0" parTransId="{FF8F665A-12C8-4D73-9673-D6AB02817481}" sibTransId="{E50DBFF0-F6B4-47E5-9DF2-22A999D96AAD}"/>
+    <dgm:cxn modelId="{BF9A558F-3383-4795-A004-4BFFC88BD2B9}" srcId="{18098B98-3D02-4896-B26C-F45ACCBFA8F8}" destId="{72083E10-9578-428E-9526-4CA88DDE97A2}" srcOrd="0" destOrd="0" parTransId="{00678664-7F8F-41B0-A8BA-C9303C5325FD}" sibTransId="{C1E857C0-6817-43FB-A4A3-2C90ED90707D}"/>
+    <dgm:cxn modelId="{F3637E0C-E3D7-49FD-A4D0-0DDAA5C0F1AA}" type="presOf" srcId="{5210E6C0-7B5F-4615-8FD8-15609B60CBD8}" destId="{829303FF-0E5D-44E1-BE44-9CC2D1BFF960}" srcOrd="0" destOrd="0" presId="urn:microsoft.com/office/officeart/2009/3/layout/HorizontalOrganizationChart"/>
+    <dgm:cxn modelId="{554F6BD7-4240-44DE-86EA-43D838B7C6CE}" type="presOf" srcId="{5938898E-B83D-4A8D-ADFE-B46B956AAD91}" destId="{BFCE283B-40BD-4206-B6CD-2F187742E8B2}" srcOrd="0" destOrd="0" presId="urn:microsoft.com/office/officeart/2009/3/layout/HorizontalOrganizationChart"/>
+    <dgm:cxn modelId="{F93DA69E-BFF9-47D7-A064-FC09127FE55A}" type="presOf" srcId="{0F6E0FEE-B4D8-4B84-AC7C-12039A4528B1}" destId="{199CE34F-FA51-4FB6-AEC6-6296C1F1121E}" srcOrd="0" destOrd="0" presId="urn:microsoft.com/office/officeart/2009/3/layout/HorizontalOrganizationChart"/>
+    <dgm:cxn modelId="{9422C6F0-530A-4E7B-ADC8-9CDA72A321C6}" type="presOf" srcId="{1368AB59-4440-4899-B964-C15F5069CA97}" destId="{2D2B47F2-95BA-42F2-8658-CEA28B68DF7B}" srcOrd="0" destOrd="0" presId="urn:microsoft.com/office/officeart/2009/3/layout/HorizontalOrganizationChart"/>
+    <dgm:cxn modelId="{BF199128-3490-42E6-9FB8-18F78FACF76E}" type="presOf" srcId="{94D733AD-CEBB-4818-834E-8BD5769E5A1C}" destId="{576DBA97-BCAD-473B-B38D-6E313209653D}" srcOrd="0" destOrd="0" presId="urn:microsoft.com/office/officeart/2009/3/layout/HorizontalOrganizationChart"/>
+    <dgm:cxn modelId="{2CF09387-80F0-41D8-BDCE-CB7B2169055E}" srcId="{10C4B585-4EE5-4B48-B60E-C8743E2B594E}" destId="{0E18D749-C918-423A-AFC5-F06712F6CD0A}" srcOrd="2" destOrd="0" parTransId="{DB58BCC6-BC89-4C6C-A16B-68E3E6B30C3E}" sibTransId="{36F3233D-D442-41BA-9692-7068664AAFFB}"/>
+    <dgm:cxn modelId="{8C177F8C-9DA6-477E-8DBB-5A3497BD0136}" type="presOf" srcId="{6948CCFA-1DBB-4C5D-8E72-55979E9DD649}" destId="{0B1E3AC2-C568-4B9A-9591-317B03342DE8}" srcOrd="0" destOrd="0" presId="urn:microsoft.com/office/officeart/2009/3/layout/HorizontalOrganizationChart"/>
+    <dgm:cxn modelId="{1F6E1994-D715-4306-A360-43AF8E8A71D2}" type="presOf" srcId="{5EA1AB31-1F2D-451D-BEF5-BBA09B2F4046}" destId="{6829D53F-E08D-423F-83BD-B267B46D76A9}" srcOrd="0" destOrd="0" presId="urn:microsoft.com/office/officeart/2009/3/layout/HorizontalOrganizationChart"/>
+    <dgm:cxn modelId="{B3036E75-110A-4197-B369-0F380A4765CC}" srcId="{9ACAFCFC-5142-4C6A-A550-74BE20AD0CD4}" destId="{A38FC05A-5E07-4CA3-AED3-120F80C38C9B}" srcOrd="1" destOrd="0" parTransId="{30DB14B4-C961-470D-9A47-EEC7F9368630}" sibTransId="{659ABC5A-C67B-4053-9512-4BDAFEC2B7D9}"/>
+    <dgm:cxn modelId="{A7C45FB3-3496-4D28-9E32-0412CE0A0ACF}" srcId="{9ACAFCFC-5142-4C6A-A550-74BE20AD0CD4}" destId="{D76B355E-360B-4DB3-9B0A-734E7A8B5F79}" srcOrd="2" destOrd="0" parTransId="{788EB51A-BDC2-46C7-BA97-F6662BF872AF}" sibTransId="{31569711-2122-4CD4-8DD5-3BA95E7ABB49}"/>
+    <dgm:cxn modelId="{C6D0587A-475C-4D2F-BCD9-4A2636B6ECD7}" type="presOf" srcId="{80EB3E8F-BB14-48EA-94F6-216A0C572367}" destId="{7CDEADF0-0D41-47A3-A3F1-ABCD7F938AE4}" srcOrd="0" destOrd="0" presId="urn:microsoft.com/office/officeart/2009/3/layout/HorizontalOrganizationChart"/>
+    <dgm:cxn modelId="{93C885D0-E629-4E5A-AE06-B15D822B2D81}" type="presOf" srcId="{C75DC3E2-DEFA-4545-9BDF-B2CB4A4B5296}" destId="{109AF559-F40E-4C1A-BC09-81D39FA85AFE}" srcOrd="1" destOrd="0" presId="urn:microsoft.com/office/officeart/2009/3/layout/HorizontalOrganizationChart"/>
+    <dgm:cxn modelId="{9EFB07B4-7107-4B9D-92A2-234796AD4B18}" type="presOf" srcId="{9BF0BB04-9D8F-48D0-8FAD-BB95A3DA01EE}" destId="{21DD7EB1-07F8-4A3A-9050-DBA0DDA1E6B6}" srcOrd="0" destOrd="0" presId="urn:microsoft.com/office/officeart/2009/3/layout/HorizontalOrganizationChart"/>
+    <dgm:cxn modelId="{7CCAAEB4-E843-46CC-8E18-529DB9B5D8B4}" type="presOf" srcId="{C84E1659-8B9E-4909-A3A5-39D0700833ED}" destId="{FCA0E652-527B-44F4-9EE0-4917BCDCC78C}" srcOrd="1" destOrd="0" presId="urn:microsoft.com/office/officeart/2009/3/layout/HorizontalOrganizationChart"/>
+    <dgm:cxn modelId="{0592FF93-0E36-410B-8EAF-FDD0DAF25421}" type="presOf" srcId="{10C4B585-4EE5-4B48-B60E-C8743E2B594E}" destId="{E0071C21-0410-4DB9-A5E0-57D6E8DE30F9}" srcOrd="0" destOrd="0" presId="urn:microsoft.com/office/officeart/2009/3/layout/HorizontalOrganizationChart"/>
+    <dgm:cxn modelId="{74DE76D5-B9C7-460A-964C-6EAB1D65E6D3}" type="presOf" srcId="{690C0B3D-5179-4C71-958D-27F5B214E5DB}" destId="{1AA58B08-E216-4869-874D-B226653FFB40}" srcOrd="0" destOrd="0" presId="urn:microsoft.com/office/officeart/2009/3/layout/HorizontalOrganizationChart"/>
+    <dgm:cxn modelId="{504D0A86-35F8-4682-92A6-B6CB07BC1B3B}" type="presOf" srcId="{922EF086-B5F5-48AA-B17C-ECF9CC80F891}" destId="{795A9348-3C46-4783-965F-BE2D1EF3BA93}" srcOrd="0" destOrd="0" presId="urn:microsoft.com/office/officeart/2009/3/layout/HorizontalOrganizationChart"/>
+    <dgm:cxn modelId="{0B6E8FAA-C8FD-42E2-813B-EDAFA37E001B}" type="presOf" srcId="{72083E10-9578-428E-9526-4CA88DDE97A2}" destId="{EDEA0F51-606C-486A-AD15-D1B2FD25F3D4}" srcOrd="0" destOrd="0" presId="urn:microsoft.com/office/officeart/2009/3/layout/HorizontalOrganizationChart"/>
+    <dgm:cxn modelId="{DA6371EA-53D0-4436-8224-0B676CFEEA59}" srcId="{A38FC05A-5E07-4CA3-AED3-120F80C38C9B}" destId="{ACE0BA07-4240-4352-98CB-835CF479A9E3}" srcOrd="1" destOrd="0" parTransId="{922EF086-B5F5-48AA-B17C-ECF9CC80F891}" sibTransId="{4AC08524-55E0-4904-913B-4D3DDFA7033C}"/>
+    <dgm:cxn modelId="{ADD0B739-3E7F-4FE8-AEBC-3A21E8F1E9DE}" type="presOf" srcId="{D76B355E-360B-4DB3-9B0A-734E7A8B5F79}" destId="{8FBE042A-B910-4B01-9753-89E090492AF8}" srcOrd="0" destOrd="0" presId="urn:microsoft.com/office/officeart/2009/3/layout/HorizontalOrganizationChart"/>
+    <dgm:cxn modelId="{A12A98E9-BBA8-420B-97D1-159F4A19A4E3}" type="presOf" srcId="{5EA1AB31-1F2D-451D-BEF5-BBA09B2F4046}" destId="{BAB12A05-94C1-4B65-A368-B37B4803DF53}" srcOrd="1" destOrd="0" presId="urn:microsoft.com/office/officeart/2009/3/layout/HorizontalOrganizationChart"/>
+    <dgm:cxn modelId="{54092395-CA87-4015-81B4-333A31E8BEA5}" type="presOf" srcId="{0966E72C-3368-4DA0-8DBF-F7E6EEAF9066}" destId="{105B0C58-B81F-4B43-BA61-FB57FBF4596B}" srcOrd="1" destOrd="0" presId="urn:microsoft.com/office/officeart/2009/3/layout/HorizontalOrganizationChart"/>
+    <dgm:cxn modelId="{1BE8117D-113B-45B0-AB99-A26EC5C66D60}" type="presOf" srcId="{9E3A122F-7D5B-4292-AB31-56FA0CA6B0E0}" destId="{E186B63A-F1BA-448C-8236-7397F51E81D8}" srcOrd="0" destOrd="0" presId="urn:microsoft.com/office/officeart/2009/3/layout/HorizontalOrganizationChart"/>
+    <dgm:cxn modelId="{9C7A36FE-64A3-40ED-8AB0-2C2B7AE9CF5F}" type="presOf" srcId="{8A54C7B1-9809-4B40-8397-A1D81C414B39}" destId="{2A2A6BBA-901C-4E3D-A6E7-22B2AF0B5B07}" srcOrd="0" destOrd="0" presId="urn:microsoft.com/office/officeart/2009/3/layout/HorizontalOrganizationChart"/>
+    <dgm:cxn modelId="{A426854F-15C0-45F5-B72C-75C488E52FF6}" srcId="{88C0F508-B9B0-439E-9F71-1068D9A483E3}" destId="{3EBF8322-26C0-4057-B40D-D3BC79713A7C}" srcOrd="0" destOrd="0" parTransId="{94D733AD-CEBB-4818-834E-8BD5769E5A1C}" sibTransId="{8CDF65A1-9598-43DF-992F-6F3B6B6D6461}"/>
+    <dgm:cxn modelId="{E51A48C0-6A4A-444F-A020-8C23D220483F}" type="presOf" srcId="{1449AB31-8A25-46F0-A80A-8595609BEB64}" destId="{11D806AB-6C7B-469D-8722-6E4414FEC5D7}" srcOrd="1" destOrd="0" presId="urn:microsoft.com/office/officeart/2009/3/layout/HorizontalOrganizationChart"/>
     <dgm:cxn modelId="{D5F13580-64EC-4976-98D6-B8B3E5A8EB34}" type="presOf" srcId="{0E18D749-C918-423A-AFC5-F06712F6CD0A}" destId="{19990D6E-EEB5-43E9-BEB9-1D45CF7E09B4}" srcOrd="0" destOrd="0" presId="urn:microsoft.com/office/officeart/2009/3/layout/HorizontalOrganizationChart"/>
-    <dgm:cxn modelId="{554F6BD7-4240-44DE-86EA-43D838B7C6CE}" type="presOf" srcId="{5938898E-B83D-4A8D-ADFE-B46B956AAD91}" destId="{BFCE283B-40BD-4206-B6CD-2F187742E8B2}" srcOrd="0" destOrd="0" presId="urn:microsoft.com/office/officeart/2009/3/layout/HorizontalOrganizationChart"/>
-    <dgm:cxn modelId="{BF199128-3490-42E6-9FB8-18F78FACF76E}" type="presOf" srcId="{94D733AD-CEBB-4818-834E-8BD5769E5A1C}" destId="{576DBA97-BCAD-473B-B38D-6E313209653D}" srcOrd="0" destOrd="0" presId="urn:microsoft.com/office/officeart/2009/3/layout/HorizontalOrganizationChart"/>
-    <dgm:cxn modelId="{702EBD4F-C9C9-4C4C-89D1-C03D379D83EB}" type="presOf" srcId="{788EB51A-BDC2-46C7-BA97-F6662BF872AF}" destId="{8C578514-FD53-4EF7-AFDB-07B337E7E73A}" srcOrd="0" destOrd="0" presId="urn:microsoft.com/office/officeart/2009/3/layout/HorizontalOrganizationChart"/>
-    <dgm:cxn modelId="{F6DE86A6-5B8C-4EF2-BF28-E396ED2C5217}" type="presOf" srcId="{275A0ED6-8DCC-47A9-843F-C66DBCF0B14E}" destId="{33A83780-F7F6-45D1-8AC8-62951A31E365}" srcOrd="0" destOrd="0" presId="urn:microsoft.com/office/officeart/2009/3/layout/HorizontalOrganizationChart"/>
-    <dgm:cxn modelId="{6651336D-12EC-48B5-8FC7-8F0F7629E2F3}" type="presOf" srcId="{C055BDF2-5AE6-499B-A73A-9FCCB8BD0616}" destId="{089417BF-89B4-4641-9D89-A4CEF2C6A902}" srcOrd="0" destOrd="0" presId="urn:microsoft.com/office/officeart/2009/3/layout/HorizontalOrganizationChart"/>
-    <dgm:cxn modelId="{0592FF93-0E36-410B-8EAF-FDD0DAF25421}" type="presOf" srcId="{10C4B585-4EE5-4B48-B60E-C8743E2B594E}" destId="{E0071C21-0410-4DB9-A5E0-57D6E8DE30F9}" srcOrd="0" destOrd="0" presId="urn:microsoft.com/office/officeart/2009/3/layout/HorizontalOrganizationChart"/>
-    <dgm:cxn modelId="{286E5CDE-B2F8-4471-BC0C-D2FD81EE720A}" srcId="{88C0F508-B9B0-439E-9F71-1068D9A483E3}" destId="{6948CCFA-1DBB-4C5D-8E72-55979E9DD649}" srcOrd="1" destOrd="0" parTransId="{9E3A122F-7D5B-4292-AB31-56FA0CA6B0E0}" sibTransId="{B40A1B80-E09A-4A05-8659-5D96DAD3ABCE}"/>
-    <dgm:cxn modelId="{ADD0B739-3E7F-4FE8-AEBC-3A21E8F1E9DE}" type="presOf" srcId="{D76B355E-360B-4DB3-9B0A-734E7A8B5F79}" destId="{8FBE042A-B910-4B01-9753-89E090492AF8}" srcOrd="0" destOrd="0" presId="urn:microsoft.com/office/officeart/2009/3/layout/HorizontalOrganizationChart"/>
+    <dgm:cxn modelId="{06E0C8D6-8A9D-445D-929E-4C2DF16854B9}" type="presOf" srcId="{0966E72C-3368-4DA0-8DBF-F7E6EEAF9066}" destId="{08B5E574-0067-4A87-BEC3-0E1C6E532439}" srcOrd="0" destOrd="0" presId="urn:microsoft.com/office/officeart/2009/3/layout/HorizontalOrganizationChart"/>
+    <dgm:cxn modelId="{BB9C7A9C-3889-43C8-B5DA-40FEF7040A5C}" type="presOf" srcId="{A38FC05A-5E07-4CA3-AED3-120F80C38C9B}" destId="{B2997602-79B5-4384-AE80-96DC36476E35}" srcOrd="1" destOrd="0" presId="urn:microsoft.com/office/officeart/2009/3/layout/HorizontalOrganizationChart"/>
+    <dgm:cxn modelId="{F63A4A63-DCBD-4E6F-91DF-E69E61134896}" type="presOf" srcId="{0E18D749-C918-423A-AFC5-F06712F6CD0A}" destId="{6DD24E1D-3BAE-46D6-B8C4-AC4F84686CC9}" srcOrd="1" destOrd="0" presId="urn:microsoft.com/office/officeart/2009/3/layout/HorizontalOrganizationChart"/>
+    <dgm:cxn modelId="{0FD2BE7A-FBB3-4CBA-BEFE-FF551DB293B1}" type="presOf" srcId="{EE0DCD01-A7C6-4F98-ABCE-FB5E42707F30}" destId="{B6EB49E2-CD61-4F57-BD84-A405A6F5B10C}" srcOrd="0" destOrd="0" presId="urn:microsoft.com/office/officeart/2009/3/layout/HorizontalOrganizationChart"/>
+    <dgm:cxn modelId="{ACF84A46-6C5F-4065-8811-6CF87909AF01}" type="presOf" srcId="{C84E1659-8B9E-4909-A3A5-39D0700833ED}" destId="{BA511819-1E02-441A-8CD6-6359FA427532}" srcOrd="0" destOrd="0" presId="urn:microsoft.com/office/officeart/2009/3/layout/HorizontalOrganizationChart"/>
+    <dgm:cxn modelId="{AEEF9079-FF6F-4BA7-8505-5B64E87935A1}" srcId="{9ACAFCFC-5142-4C6A-A550-74BE20AD0CD4}" destId="{1449AB31-8A25-46F0-A80A-8595609BEB64}" srcOrd="0" destOrd="0" parTransId="{5210E6C0-7B5F-4615-8FD8-15609B60CBD8}" sibTransId="{E8A939BD-95C8-4290-95E4-DF6FF555DC03}"/>
+    <dgm:cxn modelId="{C3B181A1-8A13-49E1-B3D8-B209DAF7F92B}" srcId="{A38FC05A-5E07-4CA3-AED3-120F80C38C9B}" destId="{0F6E0FEE-B4D8-4B84-AC7C-12039A4528B1}" srcOrd="2" destOrd="0" parTransId="{1DB26985-C23A-4CB2-95EB-22114188AB5C}" sibTransId="{769851A9-1239-4579-98CB-EB5A0BFA5566}"/>
+    <dgm:cxn modelId="{9736BABD-7239-4EBF-9DCD-0796352B382C}" type="presOf" srcId="{B24BEAF0-BD55-4139-9149-3E5E7D7C0F8F}" destId="{DB733116-05CF-4A73-8BF0-37BB9AB53700}" srcOrd="0" destOrd="0" presId="urn:microsoft.com/office/officeart/2009/3/layout/HorizontalOrganizationChart"/>
     <dgm:cxn modelId="{312DCE10-6AFF-4664-9229-31AE8FA168C0}" srcId="{D76B355E-360B-4DB3-9B0A-734E7A8B5F79}" destId="{2862FE54-E8CF-4FF8-8656-9652E53E0146}" srcOrd="1" destOrd="0" parTransId="{8D1C0C22-FF22-47B3-815C-3C9AE6CCD4D2}" sibTransId="{28523F0B-901C-4E00-8A27-B88DE33A5813}"/>
-    <dgm:cxn modelId="{2A7C8A71-C747-4738-BFED-AEDE666AB6AD}" type="presOf" srcId="{DDCBE3D6-E67C-489B-9940-99211B59C960}" destId="{7D1B3A32-B501-4AB7-828B-F99CDB664DF9}" srcOrd="1" destOrd="0" presId="urn:microsoft.com/office/officeart/2009/3/layout/HorizontalOrganizationChart"/>
-    <dgm:cxn modelId="{836F6F91-BC80-4F10-95C8-4970D36C4627}" type="presOf" srcId="{3181B794-750D-4313-8B75-982D23FEEDBA}" destId="{4F5EE5BE-E5D7-4854-BE3B-4F5E4165AB21}" srcOrd="1" destOrd="0" presId="urn:microsoft.com/office/officeart/2009/3/layout/HorizontalOrganizationChart"/>
-    <dgm:cxn modelId="{7CCAAEB4-E843-46CC-8E18-529DB9B5D8B4}" type="presOf" srcId="{C84E1659-8B9E-4909-A3A5-39D0700833ED}" destId="{FCA0E652-527B-44F4-9EE0-4917BCDCC78C}" srcOrd="1" destOrd="0" presId="urn:microsoft.com/office/officeart/2009/3/layout/HorizontalOrganizationChart"/>
-    <dgm:cxn modelId="{3AE9AD66-A072-49D8-B60D-E8647D4EF5FA}" type="presOf" srcId="{1E6104F3-7AD1-41C8-A1A4-0BADDD2BF365}" destId="{489355CF-B958-4B1F-8F62-4C6605077346}" srcOrd="0" destOrd="0" presId="urn:microsoft.com/office/officeart/2009/3/layout/HorizontalOrganizationChart"/>
-    <dgm:cxn modelId="{F63A4A63-DCBD-4E6F-91DF-E69E61134896}" type="presOf" srcId="{0E18D749-C918-423A-AFC5-F06712F6CD0A}" destId="{6DD24E1D-3BAE-46D6-B8C4-AC4F84686CC9}" srcOrd="1" destOrd="0" presId="urn:microsoft.com/office/officeart/2009/3/layout/HorizontalOrganizationChart"/>
-    <dgm:cxn modelId="{9DD0F50D-FDBD-4594-B284-65398EE5D7B1}" srcId="{18098B98-3D02-4896-B26C-F45ACCBFA8F8}" destId="{9ACAFCFC-5142-4C6A-A550-74BE20AD0CD4}" srcOrd="1" destOrd="0" parTransId="{E0187B90-0B2D-46EB-8BC8-7BEDB02F6EA5}" sibTransId="{6F57A03F-5826-4993-A45E-1E750A0332B3}"/>
-    <dgm:cxn modelId="{ACF84A46-6C5F-4065-8811-6CF87909AF01}" type="presOf" srcId="{C84E1659-8B9E-4909-A3A5-39D0700833ED}" destId="{BA511819-1E02-441A-8CD6-6359FA427532}" srcOrd="0" destOrd="0" presId="urn:microsoft.com/office/officeart/2009/3/layout/HorizontalOrganizationChart"/>
-    <dgm:cxn modelId="{A9CCAC02-7E72-44D8-B5B9-DA2C8B418C17}" type="presOf" srcId="{C75DC3E2-DEFA-4545-9BDF-B2CB4A4B5296}" destId="{D625D997-66D7-4BBD-9130-356BC5D51DB5}" srcOrd="0" destOrd="0" presId="urn:microsoft.com/office/officeart/2009/3/layout/HorizontalOrganizationChart"/>
-    <dgm:cxn modelId="{93EDA3D0-639A-4EE5-AFC3-87F17CCD4E83}" srcId="{5938898E-B83D-4A8D-ADFE-B46B956AAD91}" destId="{4855453F-452C-4D92-BB74-2F5768AFE959}" srcOrd="0" destOrd="0" parTransId="{2E26C329-07A6-4580-BD5F-A25ABABC2577}" sibTransId="{E13E8A9B-7E20-407C-B91C-30550554C874}"/>
-    <dgm:cxn modelId="{BB9C7A9C-3889-43C8-B5DA-40FEF7040A5C}" type="presOf" srcId="{A38FC05A-5E07-4CA3-AED3-120F80C38C9B}" destId="{B2997602-79B5-4384-AE80-96DC36476E35}" srcOrd="1" destOrd="0" presId="urn:microsoft.com/office/officeart/2009/3/layout/HorizontalOrganizationChart"/>
-    <dgm:cxn modelId="{0FD2BE7A-FBB3-4CBA-BEFE-FF551DB293B1}" type="presOf" srcId="{EE0DCD01-A7C6-4F98-ABCE-FB5E42707F30}" destId="{B6EB49E2-CD61-4F57-BD84-A405A6F5B10C}" srcOrd="0" destOrd="0" presId="urn:microsoft.com/office/officeart/2009/3/layout/HorizontalOrganizationChart"/>
-    <dgm:cxn modelId="{68F9F908-BDB4-40D5-910D-0BF0B8FBCF69}" type="presOf" srcId="{72083E10-9578-428E-9526-4CA88DDE97A2}" destId="{FF1B0FC5-8795-428E-BAB2-51655DF9BFAC}" srcOrd="1" destOrd="0" presId="urn:microsoft.com/office/officeart/2009/3/layout/HorizontalOrganizationChart"/>
-    <dgm:cxn modelId="{E570CA96-C193-4E00-9854-CA2B7C3A5B31}" type="presOf" srcId="{2862FE54-E8CF-4FF8-8656-9652E53E0146}" destId="{1EFA31DF-84D7-4059-B914-BD49C91B70AF}" srcOrd="1" destOrd="0" presId="urn:microsoft.com/office/officeart/2009/3/layout/HorizontalOrganizationChart"/>
-    <dgm:cxn modelId="{F3E1D2C8-1CC5-42C4-BFE5-4C899FCE6FDC}" type="presOf" srcId="{A27E4AB5-8689-440A-ABEE-F8060D2A30BC}" destId="{0B5716CF-D8C6-450D-8026-0819C2380283}" srcOrd="0" destOrd="0" presId="urn:microsoft.com/office/officeart/2009/3/layout/HorizontalOrganizationChart"/>
-    <dgm:cxn modelId="{B3036E75-110A-4197-B369-0F380A4765CC}" srcId="{9ACAFCFC-5142-4C6A-A550-74BE20AD0CD4}" destId="{A38FC05A-5E07-4CA3-AED3-120F80C38C9B}" srcOrd="1" destOrd="0" parTransId="{30DB14B4-C961-470D-9A47-EEC7F9368630}" sibTransId="{659ABC5A-C67B-4053-9512-4BDAFEC2B7D9}"/>
+    <dgm:cxn modelId="{B39DD9AF-67AA-4818-B124-0370AEC3DE13}" srcId="{B24BEAF0-BD55-4139-9149-3E5E7D7C0F8F}" destId="{690C0B3D-5179-4C71-958D-27F5B214E5DB}" srcOrd="4" destOrd="0" parTransId="{616B912E-A92E-472D-8389-54BACAAD2F79}" sibTransId="{9D905B85-8DEC-411E-9091-043688A21510}"/>
     <dgm:cxn modelId="{0F564BA8-515E-48F1-A0F0-23C8D6399384}" type="presOf" srcId="{8D1C0C22-FF22-47B3-815C-3C9AE6CCD4D2}" destId="{A4F57484-4AA6-4645-98E2-A94EFA34E5FA}" srcOrd="0" destOrd="0" presId="urn:microsoft.com/office/officeart/2009/3/layout/HorizontalOrganizationChart"/>
-    <dgm:cxn modelId="{0B6E8FAA-C8FD-42E2-813B-EDAFA37E001B}" type="presOf" srcId="{72083E10-9578-428E-9526-4CA88DDE97A2}" destId="{EDEA0F51-606C-486A-AD15-D1B2FD25F3D4}" srcOrd="0" destOrd="0" presId="urn:microsoft.com/office/officeart/2009/3/layout/HorizontalOrganizationChart"/>
-    <dgm:cxn modelId="{74DE76D5-B9C7-460A-964C-6EAB1D65E6D3}" type="presOf" srcId="{690C0B3D-5179-4C71-958D-27F5B214E5DB}" destId="{1AA58B08-E216-4869-874D-B226653FFB40}" srcOrd="0" destOrd="0" presId="urn:microsoft.com/office/officeart/2009/3/layout/HorizontalOrganizationChart"/>
-    <dgm:cxn modelId="{EBD7D684-964E-4749-9F36-751C0B7E6EF5}" type="presOf" srcId="{DDCBE3D6-E67C-489B-9940-99211B59C960}" destId="{DF2347F9-1B5B-4EC4-A0EB-2EFF2CF51277}" srcOrd="0" destOrd="0" presId="urn:microsoft.com/office/officeart/2009/3/layout/HorizontalOrganizationChart"/>
-    <dgm:cxn modelId="{93C885D0-E629-4E5A-AE06-B15D822B2D81}" type="presOf" srcId="{C75DC3E2-DEFA-4545-9BDF-B2CB4A4B5296}" destId="{109AF559-F40E-4C1A-BC09-81D39FA85AFE}" srcOrd="1" destOrd="0" presId="urn:microsoft.com/office/officeart/2009/3/layout/HorizontalOrganizationChart"/>
-    <dgm:cxn modelId="{B05162E9-9BB7-4FD6-B43C-4487B9F8F8E9}" srcId="{9ACAFCFC-5142-4C6A-A550-74BE20AD0CD4}" destId="{B24BEAF0-BD55-4139-9149-3E5E7D7C0F8F}" srcOrd="3" destOrd="0" parTransId="{4D9FDD6F-63FE-4BC0-80B3-A20DD6C3AA42}" sibTransId="{87C418C9-3643-4905-87AA-0E792B7ACD88}"/>
-    <dgm:cxn modelId="{06E0C8D6-8A9D-445D-929E-4C2DF16854B9}" type="presOf" srcId="{0966E72C-3368-4DA0-8DBF-F7E6EEAF9066}" destId="{08B5E574-0067-4A87-BEC3-0E1C6E532439}" srcOrd="0" destOrd="0" presId="urn:microsoft.com/office/officeart/2009/3/layout/HorizontalOrganizationChart"/>
-    <dgm:cxn modelId="{DF82601B-0455-463A-8385-2345DEE6EF54}" srcId="{9ACAFCFC-5142-4C6A-A550-74BE20AD0CD4}" destId="{10C4B585-4EE5-4B48-B60E-C8743E2B594E}" srcOrd="4" destOrd="0" parTransId="{E009455B-158B-43B8-87C1-C697339D4B66}" sibTransId="{2E36A46F-4219-4261-A5F5-D023218C4E54}"/>
+    <dgm:cxn modelId="{DB360CA9-A144-4303-B49E-5D49F6204E0B}" type="presOf" srcId="{18098B98-3D02-4896-B26C-F45ACCBFA8F8}" destId="{8D37030A-DCE6-41F1-85A1-3118BB466C91}" srcOrd="0" destOrd="0" presId="urn:microsoft.com/office/officeart/2009/3/layout/HorizontalOrganizationChart"/>
+    <dgm:cxn modelId="{EFD9F918-BF6E-4395-B358-E3B471F09A88}" type="presOf" srcId="{EE0DCD01-A7C6-4F98-ABCE-FB5E42707F30}" destId="{E25930D4-A577-4A60-AD4E-FF261C220B9D}" srcOrd="1" destOrd="0" presId="urn:microsoft.com/office/officeart/2009/3/layout/HorizontalOrganizationChart"/>
+    <dgm:cxn modelId="{6538195C-E29A-4FC3-85BC-8564D1F06E16}" srcId="{B24BEAF0-BD55-4139-9149-3E5E7D7C0F8F}" destId="{9BF0BB04-9D8F-48D0-8FAD-BB95A3DA01EE}" srcOrd="0" destOrd="0" parTransId="{C055BDF2-5AE6-499B-A73A-9FCCB8BD0616}" sibTransId="{F40313FD-1E55-4659-AE70-2B1A68D07414}"/>
+    <dgm:cxn modelId="{311D2602-1377-410E-926E-2B31D1459FC3}" type="presOf" srcId="{88C0F508-B9B0-439E-9F71-1068D9A483E3}" destId="{2E9536A5-8191-46D4-8E42-9D324A8FF3FC}" srcOrd="0" destOrd="0" presId="urn:microsoft.com/office/officeart/2009/3/layout/HorizontalOrganizationChart"/>
+    <dgm:cxn modelId="{D4CC7537-5C11-45F6-B058-C4148E89D89C}" type="presOf" srcId="{ACE0BA07-4240-4352-98CB-835CF479A9E3}" destId="{371C28E6-6B45-4B7F-A368-5EF14D2E6CCA}" srcOrd="0" destOrd="0" presId="urn:microsoft.com/office/officeart/2009/3/layout/HorizontalOrganizationChart"/>
+    <dgm:cxn modelId="{E130BF7A-42A0-45BC-B66D-10287A57DFF8}" srcId="{10C4B585-4EE5-4B48-B60E-C8743E2B594E}" destId="{88C0F508-B9B0-439E-9F71-1068D9A483E3}" srcOrd="0" destOrd="0" parTransId="{68026778-C676-48D6-AD28-C2987EF0C117}" sibTransId="{224B2C6E-6675-4DE8-9CFB-B01FA9706384}"/>
+    <dgm:cxn modelId="{ADB2CF95-598B-43BF-A786-32811F74525E}" type="presOf" srcId="{4D9FDD6F-63FE-4BC0-80B3-A20DD6C3AA42}" destId="{4CA38CD2-3024-448B-8C4D-558A14523470}" srcOrd="0" destOrd="0" presId="urn:microsoft.com/office/officeart/2009/3/layout/HorizontalOrganizationChart"/>
+    <dgm:cxn modelId="{34F98AE5-7978-488C-A61C-85E81872A842}" type="presOf" srcId="{D76B355E-360B-4DB3-9B0A-734E7A8B5F79}" destId="{F6B48B69-22C1-4016-805E-8091EFFFD169}" srcOrd="1" destOrd="0" presId="urn:microsoft.com/office/officeart/2009/3/layout/HorizontalOrganizationChart"/>
     <dgm:cxn modelId="{DA8960DA-05BA-4838-8E23-92CB95F0DA35}" srcId="{B24BEAF0-BD55-4139-9149-3E5E7D7C0F8F}" destId="{5EA1AB31-1F2D-451D-BEF5-BBA09B2F4046}" srcOrd="2" destOrd="0" parTransId="{1368AB59-4440-4899-B964-C15F5069CA97}" sibTransId="{A1135747-294C-4803-94F5-937E1B13931A}"/>
-    <dgm:cxn modelId="{8EC5E8C8-9924-492D-BC83-B42E26454E2A}" srcId="{A38FC05A-5E07-4CA3-AED3-120F80C38C9B}" destId="{5938898E-B83D-4A8D-ADFE-B46B956AAD91}" srcOrd="0" destOrd="0" parTransId="{B418CCCB-3D8E-40A5-A63E-B776B151621B}" sibTransId="{92979B7E-7B5A-465D-928B-934820DB2BF2}"/>
-    <dgm:cxn modelId="{9736BABD-7239-4EBF-9DCD-0796352B382C}" type="presOf" srcId="{B24BEAF0-BD55-4139-9149-3E5E7D7C0F8F}" destId="{DB733116-05CF-4A73-8BF0-37BB9AB53700}" srcOrd="0" destOrd="0" presId="urn:microsoft.com/office/officeart/2009/3/layout/HorizontalOrganizationChart"/>
-    <dgm:cxn modelId="{17114CF9-97E7-4C39-B971-16223F43DCA4}" type="presOf" srcId="{9ACAFCFC-5142-4C6A-A550-74BE20AD0CD4}" destId="{CF2F7F3E-7E7D-4936-A1EC-318FAD052DCC}" srcOrd="1" destOrd="0" presId="urn:microsoft.com/office/officeart/2009/3/layout/HorizontalOrganizationChart"/>
-    <dgm:cxn modelId="{3778236C-2BC6-483C-B829-5C73E69AC5D5}" srcId="{5938898E-B83D-4A8D-ADFE-B46B956AAD91}" destId="{DDCBE3D6-E67C-489B-9940-99211B59C960}" srcOrd="2" destOrd="0" parTransId="{275A0ED6-8DCC-47A9-843F-C66DBCF0B14E}" sibTransId="{D1F0814E-6B80-466D-B381-2FA62494D79A}"/>
-    <dgm:cxn modelId="{1737684E-8EFA-4A51-9409-F5CAED6DB543}" srcId="{9ACAFCFC-5142-4C6A-A550-74BE20AD0CD4}" destId="{0966E72C-3368-4DA0-8DBF-F7E6EEAF9066}" srcOrd="5" destOrd="0" parTransId="{80EB3E8F-BB14-48EA-94F6-216A0C572367}" sibTransId="{D3EA4F70-97B8-4F1F-BCFF-DE09C6B15EC6}"/>
-    <dgm:cxn modelId="{071EFA63-A519-4D9D-8672-6FC6D0B52C72}" type="presOf" srcId="{B24BEAF0-BD55-4139-9149-3E5E7D7C0F8F}" destId="{50C54AA4-0E3B-47C8-81B2-07E58F42CA2B}" srcOrd="1" destOrd="0" presId="urn:microsoft.com/office/officeart/2009/3/layout/HorizontalOrganizationChart"/>
-    <dgm:cxn modelId="{126C484F-A938-4757-95D6-9BB961977F0E}" type="presOf" srcId="{4855453F-452C-4D92-BB74-2F5768AFE959}" destId="{A5392B4D-2E96-4499-AB03-33C7EB3130F5}" srcOrd="0" destOrd="0" presId="urn:microsoft.com/office/officeart/2009/3/layout/HorizontalOrganizationChart"/>
-    <dgm:cxn modelId="{E130BF7A-42A0-45BC-B66D-10287A57DFF8}" srcId="{10C4B585-4EE5-4B48-B60E-C8743E2B594E}" destId="{88C0F508-B9B0-439E-9F71-1068D9A483E3}" srcOrd="0" destOrd="0" parTransId="{68026778-C676-48D6-AD28-C2987EF0C117}" sibTransId="{224B2C6E-6675-4DE8-9CFB-B01FA9706384}"/>
-    <dgm:cxn modelId="{9C7A36FE-64A3-40ED-8AB0-2C2B7AE9CF5F}" type="presOf" srcId="{8A54C7B1-9809-4B40-8397-A1D81C414B39}" destId="{2A2A6BBA-901C-4E3D-A6E7-22B2AF0B5B07}" srcOrd="0" destOrd="0" presId="urn:microsoft.com/office/officeart/2009/3/layout/HorizontalOrganizationChart"/>
-    <dgm:cxn modelId="{A7C45FB3-3496-4D28-9E32-0412CE0A0ACF}" srcId="{9ACAFCFC-5142-4C6A-A550-74BE20AD0CD4}" destId="{D76B355E-360B-4DB3-9B0A-734E7A8B5F79}" srcOrd="2" destOrd="0" parTransId="{788EB51A-BDC2-46C7-BA97-F6662BF872AF}" sibTransId="{31569711-2122-4CD4-8DD5-3BA95E7ABB49}"/>
-    <dgm:cxn modelId="{820EF847-6A27-4112-B94B-27DB7A0FD8D3}" srcId="{B24BEAF0-BD55-4139-9149-3E5E7D7C0F8F}" destId="{15AB516E-1AF3-43B9-A667-FCAFF022C93D}" srcOrd="1" destOrd="0" parTransId="{A27E4AB5-8689-440A-ABEE-F8060D2A30BC}" sibTransId="{FB5E57C5-2531-4DB1-81F6-30ABEC43CA57}"/>
-    <dgm:cxn modelId="{B3FA210D-CEDB-4390-81A7-A892258676B3}" type="presOf" srcId="{3181B794-750D-4313-8B75-982D23FEEDBA}" destId="{0A700EB4-8F02-4BDB-9B49-FF62E83EAEC6}" srcOrd="0" destOrd="0" presId="urn:microsoft.com/office/officeart/2009/3/layout/HorizontalOrganizationChart"/>
-    <dgm:cxn modelId="{2CF09387-80F0-41D8-BDCE-CB7B2169055E}" srcId="{10C4B585-4EE5-4B48-B60E-C8743E2B594E}" destId="{0E18D749-C918-423A-AFC5-F06712F6CD0A}" srcOrd="2" destOrd="0" parTransId="{DB58BCC6-BC89-4C6C-A16B-68E3E6B30C3E}" sibTransId="{36F3233D-D442-41BA-9692-7068664AAFFB}"/>
-    <dgm:cxn modelId="{22A03240-FE6C-4ED3-A401-22F91CD60922}" type="presOf" srcId="{1449AB31-8A25-46F0-A80A-8595609BEB64}" destId="{DAAF4679-7E0F-4825-B044-629AB82E5C4B}" srcOrd="0" destOrd="0" presId="urn:microsoft.com/office/officeart/2009/3/layout/HorizontalOrganizationChart"/>
-    <dgm:cxn modelId="{96B7A5FB-FA9A-406D-BD24-56BAEBE6A394}" type="presOf" srcId="{5938898E-B83D-4A8D-ADFE-B46B956AAD91}" destId="{F182D3DD-3606-48A3-B448-96DC69FA52C0}" srcOrd="1" destOrd="0" presId="urn:microsoft.com/office/officeart/2009/3/layout/HorizontalOrganizationChart"/>
+    <dgm:cxn modelId="{3C16DEEC-7206-49BB-84A0-E53B2007C35E}" type="presOf" srcId="{ACE0BA07-4240-4352-98CB-835CF479A9E3}" destId="{49CACFDC-0231-4C4C-BF16-01C2C3298D4F}" srcOrd="1" destOrd="0" presId="urn:microsoft.com/office/officeart/2009/3/layout/HorizontalOrganizationChart"/>
     <dgm:cxn modelId="{5D5E6F66-4853-4B59-B2BF-1BE1AA087E60}" srcId="{5938898E-B83D-4A8D-ADFE-B46B956AAD91}" destId="{3181B794-750D-4313-8B75-982D23FEEDBA}" srcOrd="1" destOrd="0" parTransId="{8A54C7B1-9809-4B40-8397-A1D81C414B39}" sibTransId="{94AB8C06-8822-4319-A496-B061711DFA50}"/>
-    <dgm:cxn modelId="{3F834FD1-35A9-4ADB-BB30-FE46D92D8044}" type="presOf" srcId="{15AB516E-1AF3-43B9-A667-FCAFF022C93D}" destId="{168624A0-1DB6-4759-A4AA-F38E8B37983E}" srcOrd="1" destOrd="0" presId="urn:microsoft.com/office/officeart/2009/3/layout/HorizontalOrganizationChart"/>
-    <dgm:cxn modelId="{65CDDCBA-7708-43B9-AA1E-14A50912B080}" type="presOf" srcId="{A38FC05A-5E07-4CA3-AED3-120F80C38C9B}" destId="{B7763EA0-6D75-420B-B14A-87B95D9C65AD}" srcOrd="0" destOrd="0" presId="urn:microsoft.com/office/officeart/2009/3/layout/HorizontalOrganizationChart"/>
-    <dgm:cxn modelId="{AB5066AD-185B-4743-A8EF-74896A38880D}" srcId="{D76B355E-360B-4DB3-9B0A-734E7A8B5F79}" destId="{EE0DCD01-A7C6-4F98-ABCE-FB5E42707F30}" srcOrd="0" destOrd="0" parTransId="{B13DE2D5-E0C4-426F-89CF-8ACA5813E72C}" sibTransId="{A5386939-9FAB-4C4E-B521-C12A80F743F1}"/>
-    <dgm:cxn modelId="{74D7FEC2-4394-441D-A3BE-4BFE9A5E55C3}" type="presOf" srcId="{15AB516E-1AF3-43B9-A667-FCAFF022C93D}" destId="{EE439134-1D22-4054-896B-B21F6634E10C}" srcOrd="0" destOrd="0" presId="urn:microsoft.com/office/officeart/2009/3/layout/HorizontalOrganizationChart"/>
-    <dgm:cxn modelId="{A084AB2B-3997-4BE0-B4B9-92381934FEB2}" type="presOf" srcId="{9ACAFCFC-5142-4C6A-A550-74BE20AD0CD4}" destId="{BE907398-AA16-4188-B20A-D96C29A10321}" srcOrd="0" destOrd="0" presId="urn:microsoft.com/office/officeart/2009/3/layout/HorizontalOrganizationChart"/>
-    <dgm:cxn modelId="{B0150756-9421-4F64-8BDD-CFFB3F3B8372}" type="presOf" srcId="{1DB26985-C23A-4CB2-95EB-22114188AB5C}" destId="{FC9F881F-346A-4232-8729-025F5114BFE7}" srcOrd="0" destOrd="0" presId="urn:microsoft.com/office/officeart/2009/3/layout/HorizontalOrganizationChart"/>
-    <dgm:cxn modelId="{117E4E38-A264-459D-9DE0-111570D3D65F}" type="presOf" srcId="{30DB14B4-C961-470D-9A47-EEC7F9368630}" destId="{C749CD90-5ED1-40E7-9C5B-D2F44FC6E4B6}" srcOrd="0" destOrd="0" presId="urn:microsoft.com/office/officeart/2009/3/layout/HorizontalOrganizationChart"/>
-    <dgm:cxn modelId="{BF9A558F-3383-4795-A004-4BFFC88BD2B9}" srcId="{18098B98-3D02-4896-B26C-F45ACCBFA8F8}" destId="{72083E10-9578-428E-9526-4CA88DDE97A2}" srcOrd="0" destOrd="0" parTransId="{00678664-7F8F-41B0-A8BA-C9303C5325FD}" sibTransId="{C1E857C0-6817-43FB-A4A3-2C90ED90707D}"/>
-    <dgm:cxn modelId="{9299939F-B366-4D23-9CBD-A70799BB9101}" type="presOf" srcId="{E009455B-158B-43B8-87C1-C697339D4B66}" destId="{2018AA64-6CEA-4590-8287-3445CDD96F6C}" srcOrd="0" destOrd="0" presId="urn:microsoft.com/office/officeart/2009/3/layout/HorizontalOrganizationChart"/>
-    <dgm:cxn modelId="{703FE8EF-8BC4-4361-A4D0-4D18493E8B6F}" type="presOf" srcId="{B418CCCB-3D8E-40A5-A63E-B776B151621B}" destId="{A8225C88-2817-46A0-818B-85A6BE965AFA}" srcOrd="0" destOrd="0" presId="urn:microsoft.com/office/officeart/2009/3/layout/HorizontalOrganizationChart"/>
-    <dgm:cxn modelId="{D7E05714-4352-41F3-8636-D2B9E102C64E}" srcId="{B24BEAF0-BD55-4139-9149-3E5E7D7C0F8F}" destId="{C75DC3E2-DEFA-4545-9BDF-B2CB4A4B5296}" srcOrd="3" destOrd="0" parTransId="{562946B2-7C41-4518-A8E2-69EC867FEEB6}" sibTransId="{39C15D50-714D-4843-98E1-85B4188FBB63}"/>
-    <dgm:cxn modelId="{3A0F045B-F943-4A35-8200-73D0D88EB7CC}" type="presOf" srcId="{88C0F508-B9B0-439E-9F71-1068D9A483E3}" destId="{4FFB75A0-8EB0-41D1-945A-8CDEBAC64055}" srcOrd="1" destOrd="0" presId="urn:microsoft.com/office/officeart/2009/3/layout/HorizontalOrganizationChart"/>
-    <dgm:cxn modelId="{F25D0EAC-D101-414C-8038-C45B2A99303F}" type="presOf" srcId="{690C0B3D-5179-4C71-958D-27F5B214E5DB}" destId="{967D4B16-926F-4EEA-9244-6CAF349E643E}" srcOrd="1" destOrd="0" presId="urn:microsoft.com/office/officeart/2009/3/layout/HorizontalOrganizationChart"/>
-    <dgm:cxn modelId="{C08E2796-5EB8-4DC8-A827-491678486D52}" srcId="{10C4B585-4EE5-4B48-B60E-C8743E2B594E}" destId="{C84E1659-8B9E-4909-A3A5-39D0700833ED}" srcOrd="3" destOrd="0" parTransId="{FDFFF0B2-7807-4C45-99F7-361D7060B4BD}" sibTransId="{6AEA779D-AC7C-4E05-AE02-FA23FF319580}"/>
-    <dgm:cxn modelId="{9422C6F0-530A-4E7B-ADC8-9CDA72A321C6}" type="presOf" srcId="{1368AB59-4440-4899-B964-C15F5069CA97}" destId="{2D2B47F2-95BA-42F2-8658-CEA28B68DF7B}" srcOrd="0" destOrd="0" presId="urn:microsoft.com/office/officeart/2009/3/layout/HorizontalOrganizationChart"/>
-    <dgm:cxn modelId="{D4CC7537-5C11-45F6-B058-C4148E89D89C}" type="presOf" srcId="{ACE0BA07-4240-4352-98CB-835CF479A9E3}" destId="{371C28E6-6B45-4B7F-A368-5EF14D2E6CCA}" srcOrd="0" destOrd="0" presId="urn:microsoft.com/office/officeart/2009/3/layout/HorizontalOrganizationChart"/>
-    <dgm:cxn modelId="{DA6371EA-53D0-4436-8224-0B676CFEEA59}" srcId="{A38FC05A-5E07-4CA3-AED3-120F80C38C9B}" destId="{ACE0BA07-4240-4352-98CB-835CF479A9E3}" srcOrd="1" destOrd="0" parTransId="{922EF086-B5F5-48AA-B17C-ECF9CC80F891}" sibTransId="{4AC08524-55E0-4904-913B-4D3DDFA7033C}"/>
-    <dgm:cxn modelId="{ABE1C18C-FD0F-4439-914D-69E4DEC3EEC6}" type="presOf" srcId="{10C4B585-4EE5-4B48-B60E-C8743E2B594E}" destId="{314AD154-F8D7-4642-B10A-D5CFBB37069C}" srcOrd="1" destOrd="0" presId="urn:microsoft.com/office/officeart/2009/3/layout/HorizontalOrganizationChart"/>
-    <dgm:cxn modelId="{351C8958-2160-4220-88C9-328AF57FF264}" type="presOf" srcId="{6948CCFA-1DBB-4C5D-8E72-55979E9DD649}" destId="{45192A8D-C09C-43DE-9D19-6607E3ECFBBE}" srcOrd="1" destOrd="0" presId="urn:microsoft.com/office/officeart/2009/3/layout/HorizontalOrganizationChart"/>
-    <dgm:cxn modelId="{ADB2CF95-598B-43BF-A786-32811F74525E}" type="presOf" srcId="{4D9FDD6F-63FE-4BC0-80B3-A20DD6C3AA42}" destId="{4CA38CD2-3024-448B-8C4D-558A14523470}" srcOrd="0" destOrd="0" presId="urn:microsoft.com/office/officeart/2009/3/layout/HorizontalOrganizationChart"/>
-    <dgm:cxn modelId="{A888C062-C1A5-4694-9EF9-8FFCC8DCD5B6}" type="presOf" srcId="{0F6E0FEE-B4D8-4B84-AC7C-12039A4528B1}" destId="{94D5788E-DB9C-4A72-911E-D47EB168C009}" srcOrd="1" destOrd="0" presId="urn:microsoft.com/office/officeart/2009/3/layout/HorizontalOrganizationChart"/>
-    <dgm:cxn modelId="{1F6E1994-D715-4306-A360-43AF8E8A71D2}" type="presOf" srcId="{5EA1AB31-1F2D-451D-BEF5-BBA09B2F4046}" destId="{6829D53F-E08D-423F-83BD-B267B46D76A9}" srcOrd="0" destOrd="0" presId="urn:microsoft.com/office/officeart/2009/3/layout/HorizontalOrganizationChart"/>
-    <dgm:cxn modelId="{9EFB07B4-7107-4B9D-92A2-234796AD4B18}" type="presOf" srcId="{9BF0BB04-9D8F-48D0-8FAD-BB95A3DA01EE}" destId="{21DD7EB1-07F8-4A3A-9050-DBA0DDA1E6B6}" srcOrd="0" destOrd="0" presId="urn:microsoft.com/office/officeart/2009/3/layout/HorizontalOrganizationChart"/>
     <dgm:cxn modelId="{3DA084B1-4733-4693-BDBC-004259A2FC1C}" type="presOf" srcId="{2862FE54-E8CF-4FF8-8656-9652E53E0146}" destId="{0E2FCC05-0909-46B2-8B4C-DCC00A117DE9}" srcOrd="0" destOrd="0" presId="urn:microsoft.com/office/officeart/2009/3/layout/HorizontalOrganizationChart"/>
-    <dgm:cxn modelId="{54092395-CA87-4015-81B4-333A31E8BEA5}" type="presOf" srcId="{0966E72C-3368-4DA0-8DBF-F7E6EEAF9066}" destId="{105B0C58-B81F-4B43-BA61-FB57FBF4596B}" srcOrd="1" destOrd="0" presId="urn:microsoft.com/office/officeart/2009/3/layout/HorizontalOrganizationChart"/>
-    <dgm:cxn modelId="{8C177F8C-9DA6-477E-8DBB-5A3497BD0136}" type="presOf" srcId="{6948CCFA-1DBB-4C5D-8E72-55979E9DD649}" destId="{0B1E3AC2-C568-4B9A-9591-317B03342DE8}" srcOrd="0" destOrd="0" presId="urn:microsoft.com/office/officeart/2009/3/layout/HorizontalOrganizationChart"/>
-    <dgm:cxn modelId="{AEEF9079-FF6F-4BA7-8505-5B64E87935A1}" srcId="{9ACAFCFC-5142-4C6A-A550-74BE20AD0CD4}" destId="{1449AB31-8A25-46F0-A80A-8595609BEB64}" srcOrd="0" destOrd="0" parTransId="{5210E6C0-7B5F-4615-8FD8-15609B60CBD8}" sibTransId="{E8A939BD-95C8-4290-95E4-DF6FF555DC03}"/>
-    <dgm:cxn modelId="{1BE8117D-113B-45B0-AB99-A26EC5C66D60}" type="presOf" srcId="{9E3A122F-7D5B-4292-AB31-56FA0CA6B0E0}" destId="{E186B63A-F1BA-448C-8236-7397F51E81D8}" srcOrd="0" destOrd="0" presId="urn:microsoft.com/office/officeart/2009/3/layout/HorizontalOrganizationChart"/>
-    <dgm:cxn modelId="{F93DA69E-BFF9-47D7-A064-FC09127FE55A}" type="presOf" srcId="{0F6E0FEE-B4D8-4B84-AC7C-12039A4528B1}" destId="{199CE34F-FA51-4FB6-AEC6-6296C1F1121E}" srcOrd="0" destOrd="0" presId="urn:microsoft.com/office/officeart/2009/3/layout/HorizontalOrganizationChart"/>
-    <dgm:cxn modelId="{96E06D4D-DD86-40E6-AA4E-2AF3FF393DFA}" type="presOf" srcId="{4855453F-452C-4D92-BB74-2F5768AFE959}" destId="{04180C38-66CB-4C31-BD26-6011D4C5B5E4}" srcOrd="1" destOrd="0" presId="urn:microsoft.com/office/officeart/2009/3/layout/HorizontalOrganizationChart"/>
-    <dgm:cxn modelId="{C3B181A1-8A13-49E1-B3D8-B209DAF7F92B}" srcId="{A38FC05A-5E07-4CA3-AED3-120F80C38C9B}" destId="{0F6E0FEE-B4D8-4B84-AC7C-12039A4528B1}" srcOrd="2" destOrd="0" parTransId="{1DB26985-C23A-4CB2-95EB-22114188AB5C}" sibTransId="{769851A9-1239-4579-98CB-EB5A0BFA5566}"/>
-    <dgm:cxn modelId="{8227FC26-2153-4F53-B037-4B66BE97A406}" type="presOf" srcId="{FDFFF0B2-7807-4C45-99F7-361D7060B4BD}" destId="{96BF3E03-207D-409A-928C-29953B59B26A}" srcOrd="0" destOrd="0" presId="urn:microsoft.com/office/officeart/2009/3/layout/HorizontalOrganizationChart"/>
     <dgm:cxn modelId="{72C07475-93F6-4811-BC37-65EAD34F77B7}" type="presOf" srcId="{2E26C329-07A6-4580-BD5F-A25ABABC2577}" destId="{0D13F3D3-F52B-405F-9AB4-ACB1EAA67343}" srcOrd="0" destOrd="0" presId="urn:microsoft.com/office/officeart/2009/3/layout/HorizontalOrganizationChart"/>
-    <dgm:cxn modelId="{311D2602-1377-410E-926E-2B31D1459FC3}" type="presOf" srcId="{88C0F508-B9B0-439E-9F71-1068D9A483E3}" destId="{2E9536A5-8191-46D4-8E42-9D324A8FF3FC}" srcOrd="0" destOrd="0" presId="urn:microsoft.com/office/officeart/2009/3/layout/HorizontalOrganizationChart"/>
-    <dgm:cxn modelId="{6A9FC207-68D2-4BA8-B1F7-221928D632CF}" type="presOf" srcId="{562946B2-7C41-4518-A8E2-69EC867FEEB6}" destId="{26F82378-42C3-4E1D-8C18-E2530194BBE6}" srcOrd="0" destOrd="0" presId="urn:microsoft.com/office/officeart/2009/3/layout/HorizontalOrganizationChart"/>
-    <dgm:cxn modelId="{EFD9F918-BF6E-4395-B358-E3B471F09A88}" type="presOf" srcId="{EE0DCD01-A7C6-4F98-ABCE-FB5E42707F30}" destId="{E25930D4-A577-4A60-AD4E-FF261C220B9D}" srcOrd="1" destOrd="0" presId="urn:microsoft.com/office/officeart/2009/3/layout/HorizontalOrganizationChart"/>
-    <dgm:cxn modelId="{1A6EF03F-9732-4062-BDFC-7C018AB217F8}" srcId="{10C4B585-4EE5-4B48-B60E-C8743E2B594E}" destId="{1E6104F3-7AD1-41C8-A1A4-0BADDD2BF365}" srcOrd="1" destOrd="0" parTransId="{FF8F665A-12C8-4D73-9673-D6AB02817481}" sibTransId="{E50DBFF0-F6B4-47E5-9DF2-22A999D96AAD}"/>
-    <dgm:cxn modelId="{A12A98E9-BBA8-420B-97D1-159F4A19A4E3}" type="presOf" srcId="{5EA1AB31-1F2D-451D-BEF5-BBA09B2F4046}" destId="{BAB12A05-94C1-4B65-A368-B37B4803DF53}" srcOrd="1" destOrd="0" presId="urn:microsoft.com/office/officeart/2009/3/layout/HorizontalOrganizationChart"/>
-    <dgm:cxn modelId="{F3637E0C-E3D7-49FD-A4D0-0DDAA5C0F1AA}" type="presOf" srcId="{5210E6C0-7B5F-4615-8FD8-15609B60CBD8}" destId="{829303FF-0E5D-44E1-BE44-9CC2D1BFF960}" srcOrd="0" destOrd="0" presId="urn:microsoft.com/office/officeart/2009/3/layout/HorizontalOrganizationChart"/>
-    <dgm:cxn modelId="{DB360CA9-A144-4303-B49E-5D49F6204E0B}" type="presOf" srcId="{18098B98-3D02-4896-B26C-F45ACCBFA8F8}" destId="{8D37030A-DCE6-41F1-85A1-3118BB466C91}" srcOrd="0" destOrd="0" presId="urn:microsoft.com/office/officeart/2009/3/layout/HorizontalOrganizationChart"/>
-    <dgm:cxn modelId="{6538195C-E29A-4FC3-85BC-8564D1F06E16}" srcId="{B24BEAF0-BD55-4139-9149-3E5E7D7C0F8F}" destId="{9BF0BB04-9D8F-48D0-8FAD-BB95A3DA01EE}" srcOrd="0" destOrd="0" parTransId="{C055BDF2-5AE6-499B-A73A-9FCCB8BD0616}" sibTransId="{F40313FD-1E55-4659-AE70-2B1A68D07414}"/>
-    <dgm:cxn modelId="{AC9CADB2-0961-479F-984A-0E1A9C218A43}" type="presOf" srcId="{1E6104F3-7AD1-41C8-A1A4-0BADDD2BF365}" destId="{335314BF-6BB5-4E8B-B72A-BBF0F08E7868}" srcOrd="1" destOrd="0" presId="urn:microsoft.com/office/officeart/2009/3/layout/HorizontalOrganizationChart"/>
-    <dgm:cxn modelId="{C6D0587A-475C-4D2F-BCD9-4A2636B6ECD7}" type="presOf" srcId="{80EB3E8F-BB14-48EA-94F6-216A0C572367}" destId="{7CDEADF0-0D41-47A3-A3F1-ABCD7F938AE4}" srcOrd="0" destOrd="0" presId="urn:microsoft.com/office/officeart/2009/3/layout/HorizontalOrganizationChart"/>
-    <dgm:cxn modelId="{BA7568E1-CFD0-4A7F-8074-D78270F60877}" type="presOf" srcId="{FF8F665A-12C8-4D73-9673-D6AB02817481}" destId="{D6A0949A-34B7-44B7-BFF5-FF1A7384D9AF}" srcOrd="0" destOrd="0" presId="urn:microsoft.com/office/officeart/2009/3/layout/HorizontalOrganizationChart"/>
-    <dgm:cxn modelId="{E51A48C0-6A4A-444F-A020-8C23D220483F}" type="presOf" srcId="{1449AB31-8A25-46F0-A80A-8595609BEB64}" destId="{11D806AB-6C7B-469D-8722-6E4414FEC5D7}" srcOrd="1" destOrd="0" presId="urn:microsoft.com/office/officeart/2009/3/layout/HorizontalOrganizationChart"/>
-    <dgm:cxn modelId="{D62ADF07-A23C-4E12-B770-29F8BE0DC61E}" type="presOf" srcId="{DB58BCC6-BC89-4C6C-A16B-68E3E6B30C3E}" destId="{304FAB0C-2110-4A34-8C06-09CDCC05A260}" srcOrd="0" destOrd="0" presId="urn:microsoft.com/office/officeart/2009/3/layout/HorizontalOrganizationChart"/>
     <dgm:cxn modelId="{CF5E37B3-3ADC-4FFE-B2FC-F557B3614118}" type="presParOf" srcId="{8D37030A-DCE6-41F1-85A1-3118BB466C91}" destId="{D4A58A86-3A97-467D-974C-B5AD8E6B2DE5}" srcOrd="0" destOrd="0" presId="urn:microsoft.com/office/officeart/2009/3/layout/HorizontalOrganizationChart"/>
     <dgm:cxn modelId="{F98B3F06-E1E9-4D87-A85C-CDB67E46236F}" type="presParOf" srcId="{D4A58A86-3A97-467D-974C-B5AD8E6B2DE5}" destId="{EF3148DB-7DFB-4610-9FBC-FE1EFD64632D}" srcOrd="0" destOrd="0" presId="urn:microsoft.com/office/officeart/2009/3/layout/HorizontalOrganizationChart"/>
     <dgm:cxn modelId="{9DF3F5AE-D889-47BE-86AB-C910EBD4B773}" type="presParOf" srcId="{EF3148DB-7DFB-4610-9FBC-FE1EFD64632D}" destId="{EDEA0F51-606C-486A-AD15-D1B2FD25F3D4}" srcOrd="0" destOrd="0" presId="urn:microsoft.com/office/officeart/2009/3/layout/HorizontalOrganizationChart"/>
@@ -6552,7 +6473,6 @@
             <a:rPr lang="en-US" sz="900" b="0" kern="1200" dirty="0" smtClean="0"/>
             <a:t>-give the mass of the chick at his different age class, and compares it to the average chick mass of this social brood</a:t>
           </a:r>
-          <a:endParaRPr lang="en-US" sz="900" b="0" kern="1200" dirty="0" smtClean="0"/>
         </a:p>
       </dsp:txBody>
       <dsp:txXfrm>
@@ -7073,12 +6993,6 @@
                   <a:lumMod val="75000"/>
                 </a:schemeClr>
               </a:solidFill>
-              <a:highlight>
-                <a:srgbClr val="FFFF00"/>
-              </a:highlight>
-              <a:latin typeface="+mn-lt"/>
-              <a:ea typeface="Calibri"/>
-              <a:cs typeface="Times New Roman"/>
             </a:rPr>
             <a:t>BirdEgg</a:t>
           </a:r>
@@ -7089,12 +7003,6 @@
                   <a:lumMod val="75000"/>
                 </a:schemeClr>
               </a:solidFill>
-              <a:highlight>
-                <a:srgbClr val="FFFF00"/>
-              </a:highlight>
-              <a:latin typeface="+mn-lt"/>
-              <a:ea typeface="Calibri"/>
-              <a:cs typeface="Times New Roman"/>
             </a:rPr>
             <a:t/>
           </a:r>
@@ -7105,12 +7013,6 @@
                   <a:lumMod val="75000"/>
                 </a:schemeClr>
               </a:solidFill>
-              <a:highlight>
-                <a:srgbClr val="FFFF00"/>
-              </a:highlight>
-              <a:latin typeface="+mn-lt"/>
-              <a:ea typeface="Calibri"/>
-              <a:cs typeface="Times New Roman"/>
             </a:rPr>
           </a:br>
           <a:r>
@@ -7120,12 +7022,6 @@
                   <a:lumMod val="75000"/>
                 </a:schemeClr>
               </a:solidFill>
-              <a:highlight>
-                <a:srgbClr val="FFFF00"/>
-              </a:highlight>
-              <a:latin typeface="+mn-lt"/>
-              <a:ea typeface="Calibri"/>
-              <a:cs typeface="Times New Roman"/>
             </a:rPr>
             <a:t>HatchDates</a:t>
           </a:r>
@@ -7135,12 +7031,6 @@
                 <a:lumMod val="75000"/>
               </a:schemeClr>
             </a:solidFill>
-            <a:highlight>
-              <a:srgbClr val="FFFF00"/>
-            </a:highlight>
-            <a:latin typeface="+mn-lt"/>
-            <a:ea typeface="Calibri"/>
-            <a:cs typeface="Times New Roman"/>
           </a:endParaRPr>
         </a:p>
       </dsp:txBody>
@@ -8063,21 +7953,15 @@
                 <a:srgbClr val="7030A0"/>
               </a:solidFill>
             </a:rPr>
-            <a:t>-give per captures of chick, the category of measurement (‘d3’ d7…) and the </a:t>
+            <a:t>-give per captures of chick, the category of measurement (‘d3’ d7…) and </a:t>
           </a:r>
           <a:r>
             <a:rPr lang="en-US" sz="900" b="0" kern="1200" dirty="0" smtClean="0">
               <a:solidFill>
                 <a:srgbClr val="7030A0"/>
               </a:solidFill>
-              <a:highlight>
-                <a:srgbClr val="FFFF00"/>
-              </a:highlight>
-              <a:latin typeface="+mn-lt"/>
-              <a:ea typeface="Calibri"/>
-              <a:cs typeface="Times New Roman"/>
-            </a:rPr>
-            <a:t>age of the chick (this could be wrong!)</a:t>
+            </a:rPr>
+            <a:t>the age of the chick</a:t>
           </a:r>
           <a:endParaRPr lang="en-US" sz="900" b="0" kern="1200" dirty="0">
             <a:solidFill>
@@ -9237,12 +9121,6 @@
                   <a:lumMod val="75000"/>
                 </a:schemeClr>
               </a:solidFill>
-              <a:highlight>
-                <a:srgbClr val="FFFF00"/>
-              </a:highlight>
-              <a:latin typeface="+mn-lt"/>
-              <a:ea typeface="Calibri"/>
-              <a:cs typeface="Times New Roman"/>
             </a:rPr>
             <a:t>BirdEgg</a:t>
           </a:r>
@@ -9253,12 +9131,6 @@
                   <a:lumMod val="75000"/>
                 </a:schemeClr>
               </a:solidFill>
-              <a:highlight>
-                <a:srgbClr val="FFFF00"/>
-              </a:highlight>
-              <a:latin typeface="+mn-lt"/>
-              <a:ea typeface="Calibri"/>
-              <a:cs typeface="Times New Roman"/>
             </a:rPr>
             <a:t/>
           </a:r>
@@ -9269,12 +9141,6 @@
                   <a:lumMod val="75000"/>
                 </a:schemeClr>
               </a:solidFill>
-              <a:highlight>
-                <a:srgbClr val="FFFF00"/>
-              </a:highlight>
-              <a:latin typeface="+mn-lt"/>
-              <a:ea typeface="Calibri"/>
-              <a:cs typeface="Times New Roman"/>
             </a:rPr>
           </a:br>
           <a:r>
@@ -9284,12 +9150,6 @@
                   <a:lumMod val="75000"/>
                 </a:schemeClr>
               </a:solidFill>
-              <a:highlight>
-                <a:srgbClr val="FFFF00"/>
-              </a:highlight>
-              <a:latin typeface="+mn-lt"/>
-              <a:ea typeface="Calibri"/>
-              <a:cs typeface="Times New Roman"/>
             </a:rPr>
             <a:t>HatchDates</a:t>
           </a:r>
@@ -9299,12 +9159,6 @@
                 <a:lumMod val="75000"/>
               </a:schemeClr>
             </a:solidFill>
-            <a:highlight>
-              <a:srgbClr val="FFFF00"/>
-            </a:highlight>
-            <a:latin typeface="+mn-lt"/>
-            <a:ea typeface="Calibri"/>
-            <a:cs typeface="Times New Roman"/>
           </a:endParaRPr>
         </a:p>
       </dsp:txBody>
@@ -11716,7 +11570,7 @@
           <a:p>
             <a:fld id="{D3975E03-0759-44A0-8E6A-31434AAC4247}" type="datetimeFigureOut">
               <a:rPr lang="en-US" smtClean="0"/>
-              <a:t>26.11.2015</a:t>
+              <a:t>02.05.2016</a:t>
             </a:fld>
             <a:endParaRPr lang="en-US"/>
           </a:p>
@@ -11886,7 +11740,7 @@
           <a:p>
             <a:fld id="{D3975E03-0759-44A0-8E6A-31434AAC4247}" type="datetimeFigureOut">
               <a:rPr lang="en-US" smtClean="0"/>
-              <a:t>26.11.2015</a:t>
+              <a:t>02.05.2016</a:t>
             </a:fld>
             <a:endParaRPr lang="en-US"/>
           </a:p>
@@ -12066,7 +11920,7 @@
           <a:p>
             <a:fld id="{D3975E03-0759-44A0-8E6A-31434AAC4247}" type="datetimeFigureOut">
               <a:rPr lang="en-US" smtClean="0"/>
-              <a:t>26.11.2015</a:t>
+              <a:t>02.05.2016</a:t>
             </a:fld>
             <a:endParaRPr lang="en-US"/>
           </a:p>
@@ -12236,7 +12090,7 @@
           <a:p>
             <a:fld id="{D3975E03-0759-44A0-8E6A-31434AAC4247}" type="datetimeFigureOut">
               <a:rPr lang="en-US" smtClean="0"/>
-              <a:t>26.11.2015</a:t>
+              <a:t>02.05.2016</a:t>
             </a:fld>
             <a:endParaRPr lang="en-US"/>
           </a:p>
@@ -12482,7 +12336,7 @@
           <a:p>
             <a:fld id="{D3975E03-0759-44A0-8E6A-31434AAC4247}" type="datetimeFigureOut">
               <a:rPr lang="en-US" smtClean="0"/>
-              <a:t>26.11.2015</a:t>
+              <a:t>02.05.2016</a:t>
             </a:fld>
             <a:endParaRPr lang="en-US"/>
           </a:p>
@@ -12770,7 +12624,7 @@
           <a:p>
             <a:fld id="{D3975E03-0759-44A0-8E6A-31434AAC4247}" type="datetimeFigureOut">
               <a:rPr lang="en-US" smtClean="0"/>
-              <a:t>26.11.2015</a:t>
+              <a:t>02.05.2016</a:t>
             </a:fld>
             <a:endParaRPr lang="en-US"/>
           </a:p>
@@ -13197,7 +13051,7 @@
           <a:p>
             <a:fld id="{D3975E03-0759-44A0-8E6A-31434AAC4247}" type="datetimeFigureOut">
               <a:rPr lang="en-US" smtClean="0"/>
-              <a:t>26.11.2015</a:t>
+              <a:t>02.05.2016</a:t>
             </a:fld>
             <a:endParaRPr lang="en-US"/>
           </a:p>
@@ -13315,7 +13169,7 @@
           <a:p>
             <a:fld id="{D3975E03-0759-44A0-8E6A-31434AAC4247}" type="datetimeFigureOut">
               <a:rPr lang="en-US" smtClean="0"/>
-              <a:t>26.11.2015</a:t>
+              <a:t>02.05.2016</a:t>
             </a:fld>
             <a:endParaRPr lang="en-US"/>
           </a:p>
@@ -13410,7 +13264,7 @@
           <a:p>
             <a:fld id="{D3975E03-0759-44A0-8E6A-31434AAC4247}" type="datetimeFigureOut">
               <a:rPr lang="en-US" smtClean="0"/>
-              <a:t>26.11.2015</a:t>
+              <a:t>02.05.2016</a:t>
             </a:fld>
             <a:endParaRPr lang="en-US"/>
           </a:p>
@@ -13687,7 +13541,7 @@
           <a:p>
             <a:fld id="{D3975E03-0759-44A0-8E6A-31434AAC4247}" type="datetimeFigureOut">
               <a:rPr lang="en-US" smtClean="0"/>
-              <a:t>26.11.2015</a:t>
+              <a:t>02.05.2016</a:t>
             </a:fld>
             <a:endParaRPr lang="en-US"/>
           </a:p>
@@ -13940,7 +13794,7 @@
           <a:p>
             <a:fld id="{D3975E03-0759-44A0-8E6A-31434AAC4247}" type="datetimeFigureOut">
               <a:rPr lang="en-US" smtClean="0"/>
-              <a:t>26.11.2015</a:t>
+              <a:t>02.05.2016</a:t>
             </a:fld>
             <a:endParaRPr lang="en-US"/>
           </a:p>
@@ -14153,7 +14007,7 @@
           <a:p>
             <a:fld id="{D3975E03-0759-44A0-8E6A-31434AAC4247}" type="datetimeFigureOut">
               <a:rPr lang="en-US" smtClean="0"/>
-              <a:t>26.11.2015</a:t>
+              <a:t>02.05.2016</a:t>
             </a:fld>
             <a:endParaRPr lang="en-US"/>
           </a:p>
@@ -14535,7 +14389,7 @@
           <p:nvPr>
             <p:extLst>
               <p:ext uri="{D42A27DB-BD31-4B8C-83A1-F6EECF244321}">
-                <p14:modId xmlns:p14="http://schemas.microsoft.com/office/powerpoint/2010/main" val="2082711359"/>
+                <p14:modId xmlns:p14="http://schemas.microsoft.com/office/powerpoint/2010/main" val="759028144"/>
               </p:ext>
             </p:extLst>
           </p:nvPr>
